--- a/README.img/Lainotikoverview.pptx
+++ b/README.img/Lainotikoverview.pptx
@@ -3,10 +3,12 @@
 <p:presentation xmlns:a="http://schemas.openxmlformats.org/drawingml/2006/main" xmlns:p="http://schemas.openxmlformats.org/presentationml/2006/main" xmlns:r="http://schemas.openxmlformats.org/officeDocument/2006/relationships" xmlns:p14="http://schemas.microsoft.com/office/powerpoint/2010/main" xmlns:p15="http://schemas.microsoft.com/office/powerpoint/2012/main" xmlns:mc="http://schemas.openxmlformats.org/markup-compatibility/2006">
   <p:sldMasterIdLst>
     <p:sldMasterId id="2147483648" r:id="rId2"/>
+    <p:sldMasterId id="2147483661" r:id="rId3"/>
   </p:sldMasterIdLst>
   <p:sldIdLst>
-    <p:sldId id="256" r:id="rId3"/>
-    <p:sldId id="257" r:id="rId4"/>
+    <p:sldId id="256" r:id="rId4"/>
+    <p:sldId id="257" r:id="rId5"/>
+    <p:sldId id="258" r:id="rId6"/>
   </p:sldIdLst>
   <p:sldSz cx="10080625" cy="5670550"/>
   <p:notesSz cx="7559675" cy="10691812"/>
@@ -54,7 +56,7 @@
       </p:grpSpPr>
       <p:sp>
         <p:nvSpPr>
-          <p:cNvPr id="27" name="PlaceHolder 1"/>
+          <p:cNvPr id="24" name="PlaceHolder 1"/>
           <p:cNvSpPr>
             <a:spLocks noGrp="1"/>
           </p:cNvSpPr>
@@ -65,7 +67,7 @@
         <p:spPr>
           <a:xfrm>
             <a:off x="504000" y="216000"/>
-            <a:ext cx="7020000" cy="936000"/>
+            <a:ext cx="7019640" cy="935640"/>
           </a:xfrm>
           <a:prstGeom prst="rect">
             <a:avLst/>
@@ -74,18 +76,16 @@
         <p:txBody>
           <a:bodyPr lIns="0" rIns="0" tIns="0" bIns="0" anchor="ctr"/>
           <a:p>
-            <a:endParaRPr b="0" lang="en-US" sz="3570" spc="-1" strike="noStrike">
-              <a:solidFill>
-                <a:srgbClr val="ffffff"/>
-              </a:solidFill>
-              <a:latin typeface="Arial"/>
-            </a:endParaRPr>
-          </a:p>
-        </p:txBody>
-      </p:sp>
-      <p:sp>
-        <p:nvSpPr>
-          <p:cNvPr id="28" name="PlaceHolder 2"/>
+            <a:pPr algn="ctr"/>
+            <a:endParaRPr b="0" lang="en-US" sz="4400" spc="-1" strike="noStrike">
+              <a:latin typeface="Arial"/>
+            </a:endParaRPr>
+          </a:p>
+        </p:txBody>
+      </p:sp>
+      <p:sp>
+        <p:nvSpPr>
+          <p:cNvPr id="25" name="PlaceHolder 2"/>
           <p:cNvSpPr>
             <a:spLocks noGrp="1"/>
           </p:cNvSpPr>
@@ -96,7 +96,7 @@
         <p:spPr>
           <a:xfrm>
             <a:off x="504000" y="1368000"/>
-            <a:ext cx="9072000" cy="1568160"/>
+            <a:ext cx="9071640" cy="1568160"/>
           </a:xfrm>
           <a:prstGeom prst="rect">
             <a:avLst/>
@@ -107,15 +107,15 @@
             <a:normAutofit/>
           </a:bodyPr>
           <a:p>
-            <a:endParaRPr b="0" lang="en-US" sz="2600" spc="-1" strike="noStrike">
-              <a:latin typeface="Arial"/>
-            </a:endParaRPr>
-          </a:p>
-        </p:txBody>
-      </p:sp>
-      <p:sp>
-        <p:nvSpPr>
-          <p:cNvPr id="29" name="PlaceHolder 3"/>
+            <a:endParaRPr b="0" lang="en-US" sz="3200" spc="-1" strike="noStrike">
+              <a:latin typeface="Arial"/>
+            </a:endParaRPr>
+          </a:p>
+        </p:txBody>
+      </p:sp>
+      <p:sp>
+        <p:nvSpPr>
+          <p:cNvPr id="26" name="PlaceHolder 3"/>
           <p:cNvSpPr>
             <a:spLocks noGrp="1"/>
           </p:cNvSpPr>
@@ -126,7 +126,7 @@
         <p:spPr>
           <a:xfrm>
             <a:off x="504000" y="3085560"/>
-            <a:ext cx="9072000" cy="1568160"/>
+            <a:ext cx="9071640" cy="1568160"/>
           </a:xfrm>
           <a:prstGeom prst="rect">
             <a:avLst/>
@@ -137,7 +137,7 @@
             <a:normAutofit/>
           </a:bodyPr>
           <a:p>
-            <a:endParaRPr b="0" lang="en-US" sz="2600" spc="-1" strike="noStrike">
+            <a:endParaRPr b="0" lang="en-US" sz="3200" spc="-1" strike="noStrike">
               <a:latin typeface="Arial"/>
             </a:endParaRPr>
           </a:p>
@@ -167,7 +167,7 @@
       </p:grpSpPr>
       <p:sp>
         <p:nvSpPr>
-          <p:cNvPr id="30" name="PlaceHolder 1"/>
+          <p:cNvPr id="27" name="PlaceHolder 1"/>
           <p:cNvSpPr>
             <a:spLocks noGrp="1"/>
           </p:cNvSpPr>
@@ -178,7 +178,7 @@
         <p:spPr>
           <a:xfrm>
             <a:off x="504000" y="216000"/>
-            <a:ext cx="7020000" cy="936000"/>
+            <a:ext cx="7019640" cy="935640"/>
           </a:xfrm>
           <a:prstGeom prst="rect">
             <a:avLst/>
@@ -187,18 +187,16 @@
         <p:txBody>
           <a:bodyPr lIns="0" rIns="0" tIns="0" bIns="0" anchor="ctr"/>
           <a:p>
-            <a:endParaRPr b="0" lang="en-US" sz="3570" spc="-1" strike="noStrike">
-              <a:solidFill>
-                <a:srgbClr val="ffffff"/>
-              </a:solidFill>
-              <a:latin typeface="Arial"/>
-            </a:endParaRPr>
-          </a:p>
-        </p:txBody>
-      </p:sp>
-      <p:sp>
-        <p:nvSpPr>
-          <p:cNvPr id="31" name="PlaceHolder 2"/>
+            <a:pPr algn="ctr"/>
+            <a:endParaRPr b="0" lang="en-US" sz="4400" spc="-1" strike="noStrike">
+              <a:latin typeface="Arial"/>
+            </a:endParaRPr>
+          </a:p>
+        </p:txBody>
+      </p:sp>
+      <p:sp>
+        <p:nvSpPr>
+          <p:cNvPr id="28" name="PlaceHolder 2"/>
           <p:cNvSpPr>
             <a:spLocks noGrp="1"/>
           </p:cNvSpPr>
@@ -220,15 +218,15 @@
             <a:normAutofit/>
           </a:bodyPr>
           <a:p>
-            <a:endParaRPr b="0" lang="en-US" sz="2600" spc="-1" strike="noStrike">
-              <a:latin typeface="Arial"/>
-            </a:endParaRPr>
-          </a:p>
-        </p:txBody>
-      </p:sp>
-      <p:sp>
-        <p:nvSpPr>
-          <p:cNvPr id="32" name="PlaceHolder 3"/>
+            <a:endParaRPr b="0" lang="en-US" sz="3200" spc="-1" strike="noStrike">
+              <a:latin typeface="Arial"/>
+            </a:endParaRPr>
+          </a:p>
+        </p:txBody>
+      </p:sp>
+      <p:sp>
+        <p:nvSpPr>
+          <p:cNvPr id="29" name="PlaceHolder 3"/>
           <p:cNvSpPr>
             <a:spLocks noGrp="1"/>
           </p:cNvSpPr>
@@ -250,15 +248,15 @@
             <a:normAutofit/>
           </a:bodyPr>
           <a:p>
-            <a:endParaRPr b="0" lang="en-US" sz="2600" spc="-1" strike="noStrike">
-              <a:latin typeface="Arial"/>
-            </a:endParaRPr>
-          </a:p>
-        </p:txBody>
-      </p:sp>
-      <p:sp>
-        <p:nvSpPr>
-          <p:cNvPr id="33" name="PlaceHolder 4"/>
+            <a:endParaRPr b="0" lang="en-US" sz="3200" spc="-1" strike="noStrike">
+              <a:latin typeface="Arial"/>
+            </a:endParaRPr>
+          </a:p>
+        </p:txBody>
+      </p:sp>
+      <p:sp>
+        <p:nvSpPr>
+          <p:cNvPr id="30" name="PlaceHolder 4"/>
           <p:cNvSpPr>
             <a:spLocks noGrp="1"/>
           </p:cNvSpPr>
@@ -280,15 +278,15 @@
             <a:normAutofit/>
           </a:bodyPr>
           <a:p>
-            <a:endParaRPr b="0" lang="en-US" sz="2600" spc="-1" strike="noStrike">
-              <a:latin typeface="Arial"/>
-            </a:endParaRPr>
-          </a:p>
-        </p:txBody>
-      </p:sp>
-      <p:sp>
-        <p:nvSpPr>
-          <p:cNvPr id="34" name="PlaceHolder 5"/>
+            <a:endParaRPr b="0" lang="en-US" sz="3200" spc="-1" strike="noStrike">
+              <a:latin typeface="Arial"/>
+            </a:endParaRPr>
+          </a:p>
+        </p:txBody>
+      </p:sp>
+      <p:sp>
+        <p:nvSpPr>
+          <p:cNvPr id="31" name="PlaceHolder 5"/>
           <p:cNvSpPr>
             <a:spLocks noGrp="1"/>
           </p:cNvSpPr>
@@ -310,7 +308,7 @@
             <a:normAutofit/>
           </a:bodyPr>
           <a:p>
-            <a:endParaRPr b="0" lang="en-US" sz="2600" spc="-1" strike="noStrike">
+            <a:endParaRPr b="0" lang="en-US" sz="3200" spc="-1" strike="noStrike">
               <a:latin typeface="Arial"/>
             </a:endParaRPr>
           </a:p>
@@ -340,7 +338,7 @@
       </p:grpSpPr>
       <p:sp>
         <p:nvSpPr>
-          <p:cNvPr id="35" name="PlaceHolder 1"/>
+          <p:cNvPr id="32" name="PlaceHolder 1"/>
           <p:cNvSpPr>
             <a:spLocks noGrp="1"/>
           </p:cNvSpPr>
@@ -351,7 +349,7 @@
         <p:spPr>
           <a:xfrm>
             <a:off x="504000" y="216000"/>
-            <a:ext cx="7020000" cy="936000"/>
+            <a:ext cx="7019640" cy="935640"/>
           </a:xfrm>
           <a:prstGeom prst="rect">
             <a:avLst/>
@@ -360,18 +358,16 @@
         <p:txBody>
           <a:bodyPr lIns="0" rIns="0" tIns="0" bIns="0" anchor="ctr"/>
           <a:p>
-            <a:endParaRPr b="0" lang="en-US" sz="3570" spc="-1" strike="noStrike">
-              <a:solidFill>
-                <a:srgbClr val="ffffff"/>
-              </a:solidFill>
-              <a:latin typeface="Arial"/>
-            </a:endParaRPr>
-          </a:p>
-        </p:txBody>
-      </p:sp>
-      <p:sp>
-        <p:nvSpPr>
-          <p:cNvPr id="36" name="PlaceHolder 2"/>
+            <a:pPr algn="ctr"/>
+            <a:endParaRPr b="0" lang="en-US" sz="4400" spc="-1" strike="noStrike">
+              <a:latin typeface="Arial"/>
+            </a:endParaRPr>
+          </a:p>
+        </p:txBody>
+      </p:sp>
+      <p:sp>
+        <p:nvSpPr>
+          <p:cNvPr id="33" name="PlaceHolder 2"/>
           <p:cNvSpPr>
             <a:spLocks noGrp="1"/>
           </p:cNvSpPr>
@@ -382,7 +378,7 @@
         <p:spPr>
           <a:xfrm>
             <a:off x="504000" y="1368000"/>
-            <a:ext cx="2921040" cy="1568160"/>
+            <a:ext cx="2920680" cy="1568160"/>
           </a:xfrm>
           <a:prstGeom prst="rect">
             <a:avLst/>
@@ -393,15 +389,15 @@
             <a:normAutofit/>
           </a:bodyPr>
           <a:p>
-            <a:endParaRPr b="0" lang="en-US" sz="2600" spc="-1" strike="noStrike">
-              <a:latin typeface="Arial"/>
-            </a:endParaRPr>
-          </a:p>
-        </p:txBody>
-      </p:sp>
-      <p:sp>
-        <p:nvSpPr>
-          <p:cNvPr id="37" name="PlaceHolder 3"/>
+            <a:endParaRPr b="0" lang="en-US" sz="3200" spc="-1" strike="noStrike">
+              <a:latin typeface="Arial"/>
+            </a:endParaRPr>
+          </a:p>
+        </p:txBody>
+      </p:sp>
+      <p:sp>
+        <p:nvSpPr>
+          <p:cNvPr id="34" name="PlaceHolder 3"/>
           <p:cNvSpPr>
             <a:spLocks noGrp="1"/>
           </p:cNvSpPr>
@@ -411,8 +407,8 @@
         </p:nvSpPr>
         <p:spPr>
           <a:xfrm>
-            <a:off x="3571560" y="1368000"/>
-            <a:ext cx="2921040" cy="1568160"/>
+            <a:off x="3571200" y="1368000"/>
+            <a:ext cx="2920680" cy="1568160"/>
           </a:xfrm>
           <a:prstGeom prst="rect">
             <a:avLst/>
@@ -423,15 +419,15 @@
             <a:normAutofit/>
           </a:bodyPr>
           <a:p>
-            <a:endParaRPr b="0" lang="en-US" sz="2600" spc="-1" strike="noStrike">
-              <a:latin typeface="Arial"/>
-            </a:endParaRPr>
-          </a:p>
-        </p:txBody>
-      </p:sp>
-      <p:sp>
-        <p:nvSpPr>
-          <p:cNvPr id="38" name="PlaceHolder 4"/>
+            <a:endParaRPr b="0" lang="en-US" sz="3200" spc="-1" strike="noStrike">
+              <a:latin typeface="Arial"/>
+            </a:endParaRPr>
+          </a:p>
+        </p:txBody>
+      </p:sp>
+      <p:sp>
+        <p:nvSpPr>
+          <p:cNvPr id="35" name="PlaceHolder 4"/>
           <p:cNvSpPr>
             <a:spLocks noGrp="1"/>
           </p:cNvSpPr>
@@ -441,8 +437,8 @@
         </p:nvSpPr>
         <p:spPr>
           <a:xfrm>
-            <a:off x="6639120" y="1368000"/>
-            <a:ext cx="2921040" cy="1568160"/>
+            <a:off x="6638040" y="1368000"/>
+            <a:ext cx="2920680" cy="1568160"/>
           </a:xfrm>
           <a:prstGeom prst="rect">
             <a:avLst/>
@@ -453,15 +449,15 @@
             <a:normAutofit/>
           </a:bodyPr>
           <a:p>
-            <a:endParaRPr b="0" lang="en-US" sz="2600" spc="-1" strike="noStrike">
-              <a:latin typeface="Arial"/>
-            </a:endParaRPr>
-          </a:p>
-        </p:txBody>
-      </p:sp>
-      <p:sp>
-        <p:nvSpPr>
-          <p:cNvPr id="39" name="PlaceHolder 5"/>
+            <a:endParaRPr b="0" lang="en-US" sz="3200" spc="-1" strike="noStrike">
+              <a:latin typeface="Arial"/>
+            </a:endParaRPr>
+          </a:p>
+        </p:txBody>
+      </p:sp>
+      <p:sp>
+        <p:nvSpPr>
+          <p:cNvPr id="36" name="PlaceHolder 5"/>
           <p:cNvSpPr>
             <a:spLocks noGrp="1"/>
           </p:cNvSpPr>
@@ -472,7 +468,7 @@
         <p:spPr>
           <a:xfrm>
             <a:off x="504000" y="3085560"/>
-            <a:ext cx="2921040" cy="1568160"/>
+            <a:ext cx="2920680" cy="1568160"/>
           </a:xfrm>
           <a:prstGeom prst="rect">
             <a:avLst/>
@@ -483,15 +479,15 @@
             <a:normAutofit/>
           </a:bodyPr>
           <a:p>
-            <a:endParaRPr b="0" lang="en-US" sz="2600" spc="-1" strike="noStrike">
-              <a:latin typeface="Arial"/>
-            </a:endParaRPr>
-          </a:p>
-        </p:txBody>
-      </p:sp>
-      <p:sp>
-        <p:nvSpPr>
-          <p:cNvPr id="40" name="PlaceHolder 6"/>
+            <a:endParaRPr b="0" lang="en-US" sz="3200" spc="-1" strike="noStrike">
+              <a:latin typeface="Arial"/>
+            </a:endParaRPr>
+          </a:p>
+        </p:txBody>
+      </p:sp>
+      <p:sp>
+        <p:nvSpPr>
+          <p:cNvPr id="37" name="PlaceHolder 6"/>
           <p:cNvSpPr>
             <a:spLocks noGrp="1"/>
           </p:cNvSpPr>
@@ -501,8 +497,8 @@
         </p:nvSpPr>
         <p:spPr>
           <a:xfrm>
-            <a:off x="3571560" y="3085560"/>
-            <a:ext cx="2921040" cy="1568160"/>
+            <a:off x="3571200" y="3085560"/>
+            <a:ext cx="2920680" cy="1568160"/>
           </a:xfrm>
           <a:prstGeom prst="rect">
             <a:avLst/>
@@ -513,15 +509,15 @@
             <a:normAutofit/>
           </a:bodyPr>
           <a:p>
-            <a:endParaRPr b="0" lang="en-US" sz="2600" spc="-1" strike="noStrike">
-              <a:latin typeface="Arial"/>
-            </a:endParaRPr>
-          </a:p>
-        </p:txBody>
-      </p:sp>
-      <p:sp>
-        <p:nvSpPr>
-          <p:cNvPr id="41" name="PlaceHolder 7"/>
+            <a:endParaRPr b="0" lang="en-US" sz="3200" spc="-1" strike="noStrike">
+              <a:latin typeface="Arial"/>
+            </a:endParaRPr>
+          </a:p>
+        </p:txBody>
+      </p:sp>
+      <p:sp>
+        <p:nvSpPr>
+          <p:cNvPr id="38" name="PlaceHolder 7"/>
           <p:cNvSpPr>
             <a:spLocks noGrp="1"/>
           </p:cNvSpPr>
@@ -531,8 +527,8 @@
         </p:nvSpPr>
         <p:spPr>
           <a:xfrm>
-            <a:off x="6639120" y="3085560"/>
-            <a:ext cx="2921040" cy="1568160"/>
+            <a:off x="6638040" y="3085560"/>
+            <a:ext cx="2920680" cy="1568160"/>
           </a:xfrm>
           <a:prstGeom prst="rect">
             <a:avLst/>
@@ -543,7 +539,544 @@
             <a:normAutofit/>
           </a:bodyPr>
           <a:p>
-            <a:endParaRPr b="0" lang="en-US" sz="2600" spc="-1" strike="noStrike">
+            <a:endParaRPr b="0" lang="en-US" sz="3200" spc="-1" strike="noStrike">
+              <a:latin typeface="Arial"/>
+            </a:endParaRPr>
+          </a:p>
+        </p:txBody>
+      </p:sp>
+    </p:spTree>
+  </p:cSld>
+</p:sldLayout>
+</file>
+
+<file path=ppt/slideLayouts/slideLayout13.xml><?xml version="1.0" encoding="utf-8"?>
+<p:sldLayout xmlns:a="http://schemas.openxmlformats.org/drawingml/2006/main" xmlns:p="http://schemas.openxmlformats.org/presentationml/2006/main" xmlns:r="http://schemas.openxmlformats.org/officeDocument/2006/relationships" xmlns:p14="http://schemas.microsoft.com/office/powerpoint/2010/main" xmlns:p15="http://schemas.microsoft.com/office/powerpoint/2012/main" xmlns:mc="http://schemas.openxmlformats.org/markup-compatibility/2006" type="blank" preserve="1">
+  <p:cSld name="Blank Slide">
+    <p:spTree>
+      <p:nvGrpSpPr>
+        <p:cNvPr id="1" name=""/>
+        <p:cNvGrpSpPr/>
+        <p:nvPr/>
+      </p:nvGrpSpPr>
+      <p:grpSpPr>
+        <a:xfrm>
+          <a:off x="0" y="0"/>
+          <a:ext cx="0" cy="0"/>
+          <a:chOff x="0" y="0"/>
+          <a:chExt cx="0" cy="0"/>
+        </a:xfrm>
+      </p:grpSpPr>
+    </p:spTree>
+  </p:cSld>
+</p:sldLayout>
+</file>
+
+<file path=ppt/slideLayouts/slideLayout14.xml><?xml version="1.0" encoding="utf-8"?>
+<p:sldLayout xmlns:a="http://schemas.openxmlformats.org/drawingml/2006/main" xmlns:p="http://schemas.openxmlformats.org/presentationml/2006/main" xmlns:r="http://schemas.openxmlformats.org/officeDocument/2006/relationships" xmlns:p14="http://schemas.microsoft.com/office/powerpoint/2010/main" xmlns:p15="http://schemas.microsoft.com/office/powerpoint/2012/main" xmlns:mc="http://schemas.openxmlformats.org/markup-compatibility/2006" type="tx" preserve="1">
+  <p:cSld name="Title Slide">
+    <p:spTree>
+      <p:nvGrpSpPr>
+        <p:cNvPr id="1" name=""/>
+        <p:cNvGrpSpPr/>
+        <p:nvPr/>
+      </p:nvGrpSpPr>
+      <p:grpSpPr>
+        <a:xfrm>
+          <a:off x="0" y="0"/>
+          <a:ext cx="0" cy="0"/>
+          <a:chOff x="0" y="0"/>
+          <a:chExt cx="0" cy="0"/>
+        </a:xfrm>
+      </p:grpSpPr>
+      <p:sp>
+        <p:nvSpPr>
+          <p:cNvPr id="42" name="PlaceHolder 1"/>
+          <p:cNvSpPr>
+            <a:spLocks noGrp="1"/>
+          </p:cNvSpPr>
+          <p:nvPr>
+            <p:ph type="title"/>
+          </p:nvPr>
+        </p:nvSpPr>
+        <p:spPr>
+          <a:xfrm>
+            <a:off x="504000" y="216000"/>
+            <a:ext cx="7019640" cy="935640"/>
+          </a:xfrm>
+          <a:prstGeom prst="rect">
+            <a:avLst/>
+          </a:prstGeom>
+        </p:spPr>
+        <p:txBody>
+          <a:bodyPr lIns="0" rIns="0" tIns="0" bIns="0" anchor="ctr"/>
+          <a:p>
+            <a:pPr algn="ctr"/>
+            <a:endParaRPr b="0" lang="en-US" sz="4400" spc="-1" strike="noStrike">
+              <a:latin typeface="Arial"/>
+            </a:endParaRPr>
+          </a:p>
+        </p:txBody>
+      </p:sp>
+      <p:sp>
+        <p:nvSpPr>
+          <p:cNvPr id="43" name="PlaceHolder 2"/>
+          <p:cNvSpPr>
+            <a:spLocks noGrp="1"/>
+          </p:cNvSpPr>
+          <p:nvPr>
+            <p:ph type="subTitle"/>
+          </p:nvPr>
+        </p:nvSpPr>
+        <p:spPr>
+          <a:xfrm>
+            <a:off x="504000" y="1368000"/>
+            <a:ext cx="9071640" cy="3287880"/>
+          </a:xfrm>
+          <a:prstGeom prst="rect">
+            <a:avLst/>
+          </a:prstGeom>
+        </p:spPr>
+        <p:txBody>
+          <a:bodyPr lIns="0" rIns="0" tIns="0" bIns="0" anchor="ctr"/>
+          <a:p>
+            <a:pPr algn="ctr"/>
+            <a:endParaRPr b="0" lang="en-US" sz="3200" spc="-1" strike="noStrike">
+              <a:latin typeface="Arial"/>
+            </a:endParaRPr>
+          </a:p>
+        </p:txBody>
+      </p:sp>
+    </p:spTree>
+  </p:cSld>
+</p:sldLayout>
+</file>
+
+<file path=ppt/slideLayouts/slideLayout15.xml><?xml version="1.0" encoding="utf-8"?>
+<p:sldLayout xmlns:a="http://schemas.openxmlformats.org/drawingml/2006/main" xmlns:p="http://schemas.openxmlformats.org/presentationml/2006/main" xmlns:r="http://schemas.openxmlformats.org/officeDocument/2006/relationships" xmlns:p14="http://schemas.microsoft.com/office/powerpoint/2010/main" xmlns:p15="http://schemas.microsoft.com/office/powerpoint/2012/main" xmlns:mc="http://schemas.openxmlformats.org/markup-compatibility/2006" type="obj" preserve="1">
+  <p:cSld name="Title, Content">
+    <p:spTree>
+      <p:nvGrpSpPr>
+        <p:cNvPr id="1" name=""/>
+        <p:cNvGrpSpPr/>
+        <p:nvPr/>
+      </p:nvGrpSpPr>
+      <p:grpSpPr>
+        <a:xfrm>
+          <a:off x="0" y="0"/>
+          <a:ext cx="0" cy="0"/>
+          <a:chOff x="0" y="0"/>
+          <a:chExt cx="0" cy="0"/>
+        </a:xfrm>
+      </p:grpSpPr>
+      <p:sp>
+        <p:nvSpPr>
+          <p:cNvPr id="44" name="PlaceHolder 1"/>
+          <p:cNvSpPr>
+            <a:spLocks noGrp="1"/>
+          </p:cNvSpPr>
+          <p:nvPr>
+            <p:ph type="title"/>
+          </p:nvPr>
+        </p:nvSpPr>
+        <p:spPr>
+          <a:xfrm>
+            <a:off x="504000" y="216000"/>
+            <a:ext cx="7019640" cy="935640"/>
+          </a:xfrm>
+          <a:prstGeom prst="rect">
+            <a:avLst/>
+          </a:prstGeom>
+        </p:spPr>
+        <p:txBody>
+          <a:bodyPr lIns="0" rIns="0" tIns="0" bIns="0" anchor="ctr"/>
+          <a:p>
+            <a:pPr algn="ctr"/>
+            <a:endParaRPr b="0" lang="en-US" sz="4400" spc="-1" strike="noStrike">
+              <a:latin typeface="Arial"/>
+            </a:endParaRPr>
+          </a:p>
+        </p:txBody>
+      </p:sp>
+      <p:sp>
+        <p:nvSpPr>
+          <p:cNvPr id="45" name="PlaceHolder 2"/>
+          <p:cNvSpPr>
+            <a:spLocks noGrp="1"/>
+          </p:cNvSpPr>
+          <p:nvPr>
+            <p:ph type="body"/>
+          </p:nvPr>
+        </p:nvSpPr>
+        <p:spPr>
+          <a:xfrm>
+            <a:off x="504000" y="1368000"/>
+            <a:ext cx="9071640" cy="3287880"/>
+          </a:xfrm>
+          <a:prstGeom prst="rect">
+            <a:avLst/>
+          </a:prstGeom>
+        </p:spPr>
+        <p:txBody>
+          <a:bodyPr lIns="0" rIns="0" tIns="0" bIns="0">
+            <a:normAutofit/>
+          </a:bodyPr>
+          <a:p>
+            <a:endParaRPr b="0" lang="en-US" sz="3200" spc="-1" strike="noStrike">
+              <a:latin typeface="Arial"/>
+            </a:endParaRPr>
+          </a:p>
+        </p:txBody>
+      </p:sp>
+    </p:spTree>
+  </p:cSld>
+</p:sldLayout>
+</file>
+
+<file path=ppt/slideLayouts/slideLayout16.xml><?xml version="1.0" encoding="utf-8"?>
+<p:sldLayout xmlns:a="http://schemas.openxmlformats.org/drawingml/2006/main" xmlns:p="http://schemas.openxmlformats.org/presentationml/2006/main" xmlns:r="http://schemas.openxmlformats.org/officeDocument/2006/relationships" xmlns:p14="http://schemas.microsoft.com/office/powerpoint/2010/main" xmlns:p15="http://schemas.microsoft.com/office/powerpoint/2012/main" xmlns:mc="http://schemas.openxmlformats.org/markup-compatibility/2006" type="twoObj" preserve="1">
+  <p:cSld name="Title, 2 Content">
+    <p:spTree>
+      <p:nvGrpSpPr>
+        <p:cNvPr id="1" name=""/>
+        <p:cNvGrpSpPr/>
+        <p:nvPr/>
+      </p:nvGrpSpPr>
+      <p:grpSpPr>
+        <a:xfrm>
+          <a:off x="0" y="0"/>
+          <a:ext cx="0" cy="0"/>
+          <a:chOff x="0" y="0"/>
+          <a:chExt cx="0" cy="0"/>
+        </a:xfrm>
+      </p:grpSpPr>
+      <p:sp>
+        <p:nvSpPr>
+          <p:cNvPr id="46" name="PlaceHolder 1"/>
+          <p:cNvSpPr>
+            <a:spLocks noGrp="1"/>
+          </p:cNvSpPr>
+          <p:nvPr>
+            <p:ph type="title"/>
+          </p:nvPr>
+        </p:nvSpPr>
+        <p:spPr>
+          <a:xfrm>
+            <a:off x="504000" y="216000"/>
+            <a:ext cx="7019640" cy="935640"/>
+          </a:xfrm>
+          <a:prstGeom prst="rect">
+            <a:avLst/>
+          </a:prstGeom>
+        </p:spPr>
+        <p:txBody>
+          <a:bodyPr lIns="0" rIns="0" tIns="0" bIns="0" anchor="ctr"/>
+          <a:p>
+            <a:pPr algn="ctr"/>
+            <a:endParaRPr b="0" lang="en-US" sz="4400" spc="-1" strike="noStrike">
+              <a:latin typeface="Arial"/>
+            </a:endParaRPr>
+          </a:p>
+        </p:txBody>
+      </p:sp>
+      <p:sp>
+        <p:nvSpPr>
+          <p:cNvPr id="47" name="PlaceHolder 2"/>
+          <p:cNvSpPr>
+            <a:spLocks noGrp="1"/>
+          </p:cNvSpPr>
+          <p:nvPr>
+            <p:ph type="body"/>
+          </p:nvPr>
+        </p:nvSpPr>
+        <p:spPr>
+          <a:xfrm>
+            <a:off x="504000" y="1368000"/>
+            <a:ext cx="4426920" cy="3287880"/>
+          </a:xfrm>
+          <a:prstGeom prst="rect">
+            <a:avLst/>
+          </a:prstGeom>
+        </p:spPr>
+        <p:txBody>
+          <a:bodyPr lIns="0" rIns="0" tIns="0" bIns="0">
+            <a:normAutofit/>
+          </a:bodyPr>
+          <a:p>
+            <a:endParaRPr b="0" lang="en-US" sz="3200" spc="-1" strike="noStrike">
+              <a:latin typeface="Arial"/>
+            </a:endParaRPr>
+          </a:p>
+        </p:txBody>
+      </p:sp>
+      <p:sp>
+        <p:nvSpPr>
+          <p:cNvPr id="48" name="PlaceHolder 3"/>
+          <p:cNvSpPr>
+            <a:spLocks noGrp="1"/>
+          </p:cNvSpPr>
+          <p:nvPr>
+            <p:ph type="body"/>
+          </p:nvPr>
+        </p:nvSpPr>
+        <p:spPr>
+          <a:xfrm>
+            <a:off x="5152680" y="1368000"/>
+            <a:ext cx="4426920" cy="3287880"/>
+          </a:xfrm>
+          <a:prstGeom prst="rect">
+            <a:avLst/>
+          </a:prstGeom>
+        </p:spPr>
+        <p:txBody>
+          <a:bodyPr lIns="0" rIns="0" tIns="0" bIns="0">
+            <a:normAutofit/>
+          </a:bodyPr>
+          <a:p>
+            <a:endParaRPr b="0" lang="en-US" sz="3200" spc="-1" strike="noStrike">
+              <a:latin typeface="Arial"/>
+            </a:endParaRPr>
+          </a:p>
+        </p:txBody>
+      </p:sp>
+    </p:spTree>
+  </p:cSld>
+</p:sldLayout>
+</file>
+
+<file path=ppt/slideLayouts/slideLayout17.xml><?xml version="1.0" encoding="utf-8"?>
+<p:sldLayout xmlns:a="http://schemas.openxmlformats.org/drawingml/2006/main" xmlns:p="http://schemas.openxmlformats.org/presentationml/2006/main" xmlns:r="http://schemas.openxmlformats.org/officeDocument/2006/relationships" xmlns:p14="http://schemas.microsoft.com/office/powerpoint/2010/main" xmlns:p15="http://schemas.microsoft.com/office/powerpoint/2012/main" xmlns:mc="http://schemas.openxmlformats.org/markup-compatibility/2006" type="titleOnly" preserve="1">
+  <p:cSld name="Title Only">
+    <p:spTree>
+      <p:nvGrpSpPr>
+        <p:cNvPr id="1" name=""/>
+        <p:cNvGrpSpPr/>
+        <p:nvPr/>
+      </p:nvGrpSpPr>
+      <p:grpSpPr>
+        <a:xfrm>
+          <a:off x="0" y="0"/>
+          <a:ext cx="0" cy="0"/>
+          <a:chOff x="0" y="0"/>
+          <a:chExt cx="0" cy="0"/>
+        </a:xfrm>
+      </p:grpSpPr>
+      <p:sp>
+        <p:nvSpPr>
+          <p:cNvPr id="49" name="PlaceHolder 1"/>
+          <p:cNvSpPr>
+            <a:spLocks noGrp="1"/>
+          </p:cNvSpPr>
+          <p:nvPr>
+            <p:ph type="title"/>
+          </p:nvPr>
+        </p:nvSpPr>
+        <p:spPr>
+          <a:xfrm>
+            <a:off x="504000" y="216000"/>
+            <a:ext cx="7019640" cy="935640"/>
+          </a:xfrm>
+          <a:prstGeom prst="rect">
+            <a:avLst/>
+          </a:prstGeom>
+        </p:spPr>
+        <p:txBody>
+          <a:bodyPr lIns="0" rIns="0" tIns="0" bIns="0" anchor="ctr"/>
+          <a:p>
+            <a:pPr algn="ctr"/>
+            <a:endParaRPr b="0" lang="en-US" sz="4400" spc="-1" strike="noStrike">
+              <a:latin typeface="Arial"/>
+            </a:endParaRPr>
+          </a:p>
+        </p:txBody>
+      </p:sp>
+    </p:spTree>
+  </p:cSld>
+</p:sldLayout>
+</file>
+
+<file path=ppt/slideLayouts/slideLayout18.xml><?xml version="1.0" encoding="utf-8"?>
+<p:sldLayout xmlns:a="http://schemas.openxmlformats.org/drawingml/2006/main" xmlns:p="http://schemas.openxmlformats.org/presentationml/2006/main" xmlns:r="http://schemas.openxmlformats.org/officeDocument/2006/relationships" xmlns:p14="http://schemas.microsoft.com/office/powerpoint/2010/main" xmlns:p15="http://schemas.microsoft.com/office/powerpoint/2012/main" xmlns:mc="http://schemas.openxmlformats.org/markup-compatibility/2006" type="objOnly" preserve="1">
+  <p:cSld name="Centered Text">
+    <p:spTree>
+      <p:nvGrpSpPr>
+        <p:cNvPr id="1" name=""/>
+        <p:cNvGrpSpPr/>
+        <p:nvPr/>
+      </p:nvGrpSpPr>
+      <p:grpSpPr>
+        <a:xfrm>
+          <a:off x="0" y="0"/>
+          <a:ext cx="0" cy="0"/>
+          <a:chOff x="0" y="0"/>
+          <a:chExt cx="0" cy="0"/>
+        </a:xfrm>
+      </p:grpSpPr>
+      <p:sp>
+        <p:nvSpPr>
+          <p:cNvPr id="50" name="PlaceHolder 1"/>
+          <p:cNvSpPr>
+            <a:spLocks noGrp="1"/>
+          </p:cNvSpPr>
+          <p:nvPr>
+            <p:ph type="subTitle"/>
+          </p:nvPr>
+        </p:nvSpPr>
+        <p:spPr>
+          <a:xfrm>
+            <a:off x="504000" y="216000"/>
+            <a:ext cx="7019640" cy="4338360"/>
+          </a:xfrm>
+          <a:prstGeom prst="rect">
+            <a:avLst/>
+          </a:prstGeom>
+        </p:spPr>
+        <p:txBody>
+          <a:bodyPr lIns="0" rIns="0" tIns="0" bIns="0" anchor="ctr"/>
+          <a:p>
+            <a:pPr algn="ctr"/>
+            <a:endParaRPr b="0" lang="en-US" sz="3200" spc="-1" strike="noStrike">
+              <a:latin typeface="Arial"/>
+            </a:endParaRPr>
+          </a:p>
+        </p:txBody>
+      </p:sp>
+    </p:spTree>
+  </p:cSld>
+</p:sldLayout>
+</file>
+
+<file path=ppt/slideLayouts/slideLayout19.xml><?xml version="1.0" encoding="utf-8"?>
+<p:sldLayout xmlns:a="http://schemas.openxmlformats.org/drawingml/2006/main" xmlns:p="http://schemas.openxmlformats.org/presentationml/2006/main" xmlns:r="http://schemas.openxmlformats.org/officeDocument/2006/relationships" xmlns:p14="http://schemas.microsoft.com/office/powerpoint/2010/main" xmlns:p15="http://schemas.microsoft.com/office/powerpoint/2012/main" xmlns:mc="http://schemas.openxmlformats.org/markup-compatibility/2006" type="twoObjAndObj" preserve="1">
+  <p:cSld name="Title, 2 Content and Content">
+    <p:spTree>
+      <p:nvGrpSpPr>
+        <p:cNvPr id="1" name=""/>
+        <p:cNvGrpSpPr/>
+        <p:nvPr/>
+      </p:nvGrpSpPr>
+      <p:grpSpPr>
+        <a:xfrm>
+          <a:off x="0" y="0"/>
+          <a:ext cx="0" cy="0"/>
+          <a:chOff x="0" y="0"/>
+          <a:chExt cx="0" cy="0"/>
+        </a:xfrm>
+      </p:grpSpPr>
+      <p:sp>
+        <p:nvSpPr>
+          <p:cNvPr id="51" name="PlaceHolder 1"/>
+          <p:cNvSpPr>
+            <a:spLocks noGrp="1"/>
+          </p:cNvSpPr>
+          <p:nvPr>
+            <p:ph type="title"/>
+          </p:nvPr>
+        </p:nvSpPr>
+        <p:spPr>
+          <a:xfrm>
+            <a:off x="504000" y="216000"/>
+            <a:ext cx="7019640" cy="935640"/>
+          </a:xfrm>
+          <a:prstGeom prst="rect">
+            <a:avLst/>
+          </a:prstGeom>
+        </p:spPr>
+        <p:txBody>
+          <a:bodyPr lIns="0" rIns="0" tIns="0" bIns="0" anchor="ctr"/>
+          <a:p>
+            <a:pPr algn="ctr"/>
+            <a:endParaRPr b="0" lang="en-US" sz="4400" spc="-1" strike="noStrike">
+              <a:latin typeface="Arial"/>
+            </a:endParaRPr>
+          </a:p>
+        </p:txBody>
+      </p:sp>
+      <p:sp>
+        <p:nvSpPr>
+          <p:cNvPr id="52" name="PlaceHolder 2"/>
+          <p:cNvSpPr>
+            <a:spLocks noGrp="1"/>
+          </p:cNvSpPr>
+          <p:nvPr>
+            <p:ph type="body"/>
+          </p:nvPr>
+        </p:nvSpPr>
+        <p:spPr>
+          <a:xfrm>
+            <a:off x="504000" y="1368000"/>
+            <a:ext cx="4426920" cy="1568160"/>
+          </a:xfrm>
+          <a:prstGeom prst="rect">
+            <a:avLst/>
+          </a:prstGeom>
+        </p:spPr>
+        <p:txBody>
+          <a:bodyPr lIns="0" rIns="0" tIns="0" bIns="0">
+            <a:normAutofit/>
+          </a:bodyPr>
+          <a:p>
+            <a:endParaRPr b="0" lang="en-US" sz="3200" spc="-1" strike="noStrike">
+              <a:latin typeface="Arial"/>
+            </a:endParaRPr>
+          </a:p>
+        </p:txBody>
+      </p:sp>
+      <p:sp>
+        <p:nvSpPr>
+          <p:cNvPr id="53" name="PlaceHolder 3"/>
+          <p:cNvSpPr>
+            <a:spLocks noGrp="1"/>
+          </p:cNvSpPr>
+          <p:nvPr>
+            <p:ph type="body"/>
+          </p:nvPr>
+        </p:nvSpPr>
+        <p:spPr>
+          <a:xfrm>
+            <a:off x="5152680" y="1368000"/>
+            <a:ext cx="4426920" cy="3287880"/>
+          </a:xfrm>
+          <a:prstGeom prst="rect">
+            <a:avLst/>
+          </a:prstGeom>
+        </p:spPr>
+        <p:txBody>
+          <a:bodyPr lIns="0" rIns="0" tIns="0" bIns="0">
+            <a:normAutofit/>
+          </a:bodyPr>
+          <a:p>
+            <a:endParaRPr b="0" lang="en-US" sz="3200" spc="-1" strike="noStrike">
+              <a:latin typeface="Arial"/>
+            </a:endParaRPr>
+          </a:p>
+        </p:txBody>
+      </p:sp>
+      <p:sp>
+        <p:nvSpPr>
+          <p:cNvPr id="54" name="PlaceHolder 4"/>
+          <p:cNvSpPr>
+            <a:spLocks noGrp="1"/>
+          </p:cNvSpPr>
+          <p:nvPr>
+            <p:ph type="body"/>
+          </p:nvPr>
+        </p:nvSpPr>
+        <p:spPr>
+          <a:xfrm>
+            <a:off x="504000" y="3085560"/>
+            <a:ext cx="4426920" cy="1568160"/>
+          </a:xfrm>
+          <a:prstGeom prst="rect">
+            <a:avLst/>
+          </a:prstGeom>
+        </p:spPr>
+        <p:txBody>
+          <a:bodyPr lIns="0" rIns="0" tIns="0" bIns="0">
+            <a:normAutofit/>
+          </a:bodyPr>
+          <a:p>
+            <a:endParaRPr b="0" lang="en-US" sz="3200" spc="-1" strike="noStrike">
               <a:latin typeface="Arial"/>
             </a:endParaRPr>
           </a:p>
@@ -573,7 +1106,7 @@
       </p:grpSpPr>
       <p:sp>
         <p:nvSpPr>
-          <p:cNvPr id="6" name="PlaceHolder 1"/>
+          <p:cNvPr id="3" name="PlaceHolder 1"/>
           <p:cNvSpPr>
             <a:spLocks noGrp="1"/>
           </p:cNvSpPr>
@@ -584,7 +1117,7 @@
         <p:spPr>
           <a:xfrm>
             <a:off x="504000" y="216000"/>
-            <a:ext cx="7020000" cy="936000"/>
+            <a:ext cx="7019640" cy="935640"/>
           </a:xfrm>
           <a:prstGeom prst="rect">
             <a:avLst/>
@@ -593,18 +1126,16 @@
         <p:txBody>
           <a:bodyPr lIns="0" rIns="0" tIns="0" bIns="0" anchor="ctr"/>
           <a:p>
-            <a:endParaRPr b="0" lang="en-US" sz="3570" spc="-1" strike="noStrike">
-              <a:solidFill>
-                <a:srgbClr val="ffffff"/>
-              </a:solidFill>
-              <a:latin typeface="Arial"/>
-            </a:endParaRPr>
-          </a:p>
-        </p:txBody>
-      </p:sp>
-      <p:sp>
-        <p:nvSpPr>
-          <p:cNvPr id="7" name="PlaceHolder 2"/>
+            <a:pPr algn="ctr"/>
+            <a:endParaRPr b="0" lang="en-US" sz="4400" spc="-1" strike="noStrike">
+              <a:latin typeface="Arial"/>
+            </a:endParaRPr>
+          </a:p>
+        </p:txBody>
+      </p:sp>
+      <p:sp>
+        <p:nvSpPr>
+          <p:cNvPr id="4" name="PlaceHolder 2"/>
           <p:cNvSpPr>
             <a:spLocks noGrp="1"/>
           </p:cNvSpPr>
@@ -615,7 +1146,7 @@
         <p:spPr>
           <a:xfrm>
             <a:off x="504000" y="1368000"/>
-            <a:ext cx="9072000" cy="3288240"/>
+            <a:ext cx="9071640" cy="3287880"/>
           </a:xfrm>
           <a:prstGeom prst="rect">
             <a:avLst/>
@@ -625,6 +1156,801 @@
           <a:bodyPr lIns="0" rIns="0" tIns="0" bIns="0" anchor="ctr"/>
           <a:p>
             <a:pPr algn="ctr"/>
+            <a:endParaRPr b="0" lang="en-US" sz="3200" spc="-1" strike="noStrike">
+              <a:latin typeface="Arial"/>
+            </a:endParaRPr>
+          </a:p>
+        </p:txBody>
+      </p:sp>
+    </p:spTree>
+  </p:cSld>
+</p:sldLayout>
+</file>
+
+<file path=ppt/slideLayouts/slideLayout20.xml><?xml version="1.0" encoding="utf-8"?>
+<p:sldLayout xmlns:a="http://schemas.openxmlformats.org/drawingml/2006/main" xmlns:p="http://schemas.openxmlformats.org/presentationml/2006/main" xmlns:r="http://schemas.openxmlformats.org/officeDocument/2006/relationships" xmlns:p14="http://schemas.microsoft.com/office/powerpoint/2010/main" xmlns:p15="http://schemas.microsoft.com/office/powerpoint/2012/main" xmlns:mc="http://schemas.openxmlformats.org/markup-compatibility/2006" type="objAndTwoObj" preserve="1">
+  <p:cSld name="Title Content and 2 Content">
+    <p:spTree>
+      <p:nvGrpSpPr>
+        <p:cNvPr id="1" name=""/>
+        <p:cNvGrpSpPr/>
+        <p:nvPr/>
+      </p:nvGrpSpPr>
+      <p:grpSpPr>
+        <a:xfrm>
+          <a:off x="0" y="0"/>
+          <a:ext cx="0" cy="0"/>
+          <a:chOff x="0" y="0"/>
+          <a:chExt cx="0" cy="0"/>
+        </a:xfrm>
+      </p:grpSpPr>
+      <p:sp>
+        <p:nvSpPr>
+          <p:cNvPr id="55" name="PlaceHolder 1"/>
+          <p:cNvSpPr>
+            <a:spLocks noGrp="1"/>
+          </p:cNvSpPr>
+          <p:nvPr>
+            <p:ph type="title"/>
+          </p:nvPr>
+        </p:nvSpPr>
+        <p:spPr>
+          <a:xfrm>
+            <a:off x="504000" y="216000"/>
+            <a:ext cx="7019640" cy="935640"/>
+          </a:xfrm>
+          <a:prstGeom prst="rect">
+            <a:avLst/>
+          </a:prstGeom>
+        </p:spPr>
+        <p:txBody>
+          <a:bodyPr lIns="0" rIns="0" tIns="0" bIns="0" anchor="ctr"/>
+          <a:p>
+            <a:pPr algn="ctr"/>
+            <a:endParaRPr b="0" lang="en-US" sz="4400" spc="-1" strike="noStrike">
+              <a:latin typeface="Arial"/>
+            </a:endParaRPr>
+          </a:p>
+        </p:txBody>
+      </p:sp>
+      <p:sp>
+        <p:nvSpPr>
+          <p:cNvPr id="56" name="PlaceHolder 2"/>
+          <p:cNvSpPr>
+            <a:spLocks noGrp="1"/>
+          </p:cNvSpPr>
+          <p:nvPr>
+            <p:ph type="body"/>
+          </p:nvPr>
+        </p:nvSpPr>
+        <p:spPr>
+          <a:xfrm>
+            <a:off x="504000" y="1368000"/>
+            <a:ext cx="4426920" cy="3287880"/>
+          </a:xfrm>
+          <a:prstGeom prst="rect">
+            <a:avLst/>
+          </a:prstGeom>
+        </p:spPr>
+        <p:txBody>
+          <a:bodyPr lIns="0" rIns="0" tIns="0" bIns="0">
+            <a:normAutofit/>
+          </a:bodyPr>
+          <a:p>
+            <a:endParaRPr b="0" lang="en-US" sz="3200" spc="-1" strike="noStrike">
+              <a:latin typeface="Arial"/>
+            </a:endParaRPr>
+          </a:p>
+        </p:txBody>
+      </p:sp>
+      <p:sp>
+        <p:nvSpPr>
+          <p:cNvPr id="57" name="PlaceHolder 3"/>
+          <p:cNvSpPr>
+            <a:spLocks noGrp="1"/>
+          </p:cNvSpPr>
+          <p:nvPr>
+            <p:ph type="body"/>
+          </p:nvPr>
+        </p:nvSpPr>
+        <p:spPr>
+          <a:xfrm>
+            <a:off x="5152680" y="1368000"/>
+            <a:ext cx="4426920" cy="1568160"/>
+          </a:xfrm>
+          <a:prstGeom prst="rect">
+            <a:avLst/>
+          </a:prstGeom>
+        </p:spPr>
+        <p:txBody>
+          <a:bodyPr lIns="0" rIns="0" tIns="0" bIns="0">
+            <a:normAutofit/>
+          </a:bodyPr>
+          <a:p>
+            <a:endParaRPr b="0" lang="en-US" sz="3200" spc="-1" strike="noStrike">
+              <a:latin typeface="Arial"/>
+            </a:endParaRPr>
+          </a:p>
+        </p:txBody>
+      </p:sp>
+      <p:sp>
+        <p:nvSpPr>
+          <p:cNvPr id="58" name="PlaceHolder 4"/>
+          <p:cNvSpPr>
+            <a:spLocks noGrp="1"/>
+          </p:cNvSpPr>
+          <p:nvPr>
+            <p:ph type="body"/>
+          </p:nvPr>
+        </p:nvSpPr>
+        <p:spPr>
+          <a:xfrm>
+            <a:off x="5152680" y="3085560"/>
+            <a:ext cx="4426920" cy="1568160"/>
+          </a:xfrm>
+          <a:prstGeom prst="rect">
+            <a:avLst/>
+          </a:prstGeom>
+        </p:spPr>
+        <p:txBody>
+          <a:bodyPr lIns="0" rIns="0" tIns="0" bIns="0">
+            <a:normAutofit/>
+          </a:bodyPr>
+          <a:p>
+            <a:endParaRPr b="0" lang="en-US" sz="3200" spc="-1" strike="noStrike">
+              <a:latin typeface="Arial"/>
+            </a:endParaRPr>
+          </a:p>
+        </p:txBody>
+      </p:sp>
+    </p:spTree>
+  </p:cSld>
+</p:sldLayout>
+</file>
+
+<file path=ppt/slideLayouts/slideLayout21.xml><?xml version="1.0" encoding="utf-8"?>
+<p:sldLayout xmlns:a="http://schemas.openxmlformats.org/drawingml/2006/main" xmlns:p="http://schemas.openxmlformats.org/presentationml/2006/main" xmlns:r="http://schemas.openxmlformats.org/officeDocument/2006/relationships" xmlns:p14="http://schemas.microsoft.com/office/powerpoint/2010/main" xmlns:p15="http://schemas.microsoft.com/office/powerpoint/2012/main" xmlns:mc="http://schemas.openxmlformats.org/markup-compatibility/2006" type="twoObjOverTx" preserve="1">
+  <p:cSld name="Title, 2 Content over Content">
+    <p:spTree>
+      <p:nvGrpSpPr>
+        <p:cNvPr id="1" name=""/>
+        <p:cNvGrpSpPr/>
+        <p:nvPr/>
+      </p:nvGrpSpPr>
+      <p:grpSpPr>
+        <a:xfrm>
+          <a:off x="0" y="0"/>
+          <a:ext cx="0" cy="0"/>
+          <a:chOff x="0" y="0"/>
+          <a:chExt cx="0" cy="0"/>
+        </a:xfrm>
+      </p:grpSpPr>
+      <p:sp>
+        <p:nvSpPr>
+          <p:cNvPr id="59" name="PlaceHolder 1"/>
+          <p:cNvSpPr>
+            <a:spLocks noGrp="1"/>
+          </p:cNvSpPr>
+          <p:nvPr>
+            <p:ph type="title"/>
+          </p:nvPr>
+        </p:nvSpPr>
+        <p:spPr>
+          <a:xfrm>
+            <a:off x="504000" y="216000"/>
+            <a:ext cx="7019640" cy="935640"/>
+          </a:xfrm>
+          <a:prstGeom prst="rect">
+            <a:avLst/>
+          </a:prstGeom>
+        </p:spPr>
+        <p:txBody>
+          <a:bodyPr lIns="0" rIns="0" tIns="0" bIns="0" anchor="ctr"/>
+          <a:p>
+            <a:pPr algn="ctr"/>
+            <a:endParaRPr b="0" lang="en-US" sz="4400" spc="-1" strike="noStrike">
+              <a:latin typeface="Arial"/>
+            </a:endParaRPr>
+          </a:p>
+        </p:txBody>
+      </p:sp>
+      <p:sp>
+        <p:nvSpPr>
+          <p:cNvPr id="60" name="PlaceHolder 2"/>
+          <p:cNvSpPr>
+            <a:spLocks noGrp="1"/>
+          </p:cNvSpPr>
+          <p:nvPr>
+            <p:ph type="body"/>
+          </p:nvPr>
+        </p:nvSpPr>
+        <p:spPr>
+          <a:xfrm>
+            <a:off x="504000" y="1368000"/>
+            <a:ext cx="4426920" cy="1568160"/>
+          </a:xfrm>
+          <a:prstGeom prst="rect">
+            <a:avLst/>
+          </a:prstGeom>
+        </p:spPr>
+        <p:txBody>
+          <a:bodyPr lIns="0" rIns="0" tIns="0" bIns="0">
+            <a:normAutofit/>
+          </a:bodyPr>
+          <a:p>
+            <a:endParaRPr b="0" lang="en-US" sz="3200" spc="-1" strike="noStrike">
+              <a:latin typeface="Arial"/>
+            </a:endParaRPr>
+          </a:p>
+        </p:txBody>
+      </p:sp>
+      <p:sp>
+        <p:nvSpPr>
+          <p:cNvPr id="61" name="PlaceHolder 3"/>
+          <p:cNvSpPr>
+            <a:spLocks noGrp="1"/>
+          </p:cNvSpPr>
+          <p:nvPr>
+            <p:ph type="body"/>
+          </p:nvPr>
+        </p:nvSpPr>
+        <p:spPr>
+          <a:xfrm>
+            <a:off x="5152680" y="1368000"/>
+            <a:ext cx="4426920" cy="1568160"/>
+          </a:xfrm>
+          <a:prstGeom prst="rect">
+            <a:avLst/>
+          </a:prstGeom>
+        </p:spPr>
+        <p:txBody>
+          <a:bodyPr lIns="0" rIns="0" tIns="0" bIns="0">
+            <a:normAutofit/>
+          </a:bodyPr>
+          <a:p>
+            <a:endParaRPr b="0" lang="en-US" sz="3200" spc="-1" strike="noStrike">
+              <a:latin typeface="Arial"/>
+            </a:endParaRPr>
+          </a:p>
+        </p:txBody>
+      </p:sp>
+      <p:sp>
+        <p:nvSpPr>
+          <p:cNvPr id="62" name="PlaceHolder 4"/>
+          <p:cNvSpPr>
+            <a:spLocks noGrp="1"/>
+          </p:cNvSpPr>
+          <p:nvPr>
+            <p:ph type="body"/>
+          </p:nvPr>
+        </p:nvSpPr>
+        <p:spPr>
+          <a:xfrm>
+            <a:off x="504000" y="3085560"/>
+            <a:ext cx="9071640" cy="1568160"/>
+          </a:xfrm>
+          <a:prstGeom prst="rect">
+            <a:avLst/>
+          </a:prstGeom>
+        </p:spPr>
+        <p:txBody>
+          <a:bodyPr lIns="0" rIns="0" tIns="0" bIns="0">
+            <a:normAutofit/>
+          </a:bodyPr>
+          <a:p>
+            <a:endParaRPr b="0" lang="en-US" sz="3200" spc="-1" strike="noStrike">
+              <a:latin typeface="Arial"/>
+            </a:endParaRPr>
+          </a:p>
+        </p:txBody>
+      </p:sp>
+    </p:spTree>
+  </p:cSld>
+</p:sldLayout>
+</file>
+
+<file path=ppt/slideLayouts/slideLayout22.xml><?xml version="1.0" encoding="utf-8"?>
+<p:sldLayout xmlns:a="http://schemas.openxmlformats.org/drawingml/2006/main" xmlns:p="http://schemas.openxmlformats.org/presentationml/2006/main" xmlns:r="http://schemas.openxmlformats.org/officeDocument/2006/relationships" xmlns:p14="http://schemas.microsoft.com/office/powerpoint/2010/main" xmlns:p15="http://schemas.microsoft.com/office/powerpoint/2012/main" xmlns:mc="http://schemas.openxmlformats.org/markup-compatibility/2006" type="objOverTx" preserve="1">
+  <p:cSld name="Title, Content over Content">
+    <p:spTree>
+      <p:nvGrpSpPr>
+        <p:cNvPr id="1" name=""/>
+        <p:cNvGrpSpPr/>
+        <p:nvPr/>
+      </p:nvGrpSpPr>
+      <p:grpSpPr>
+        <a:xfrm>
+          <a:off x="0" y="0"/>
+          <a:ext cx="0" cy="0"/>
+          <a:chOff x="0" y="0"/>
+          <a:chExt cx="0" cy="0"/>
+        </a:xfrm>
+      </p:grpSpPr>
+      <p:sp>
+        <p:nvSpPr>
+          <p:cNvPr id="63" name="PlaceHolder 1"/>
+          <p:cNvSpPr>
+            <a:spLocks noGrp="1"/>
+          </p:cNvSpPr>
+          <p:nvPr>
+            <p:ph type="title"/>
+          </p:nvPr>
+        </p:nvSpPr>
+        <p:spPr>
+          <a:xfrm>
+            <a:off x="504000" y="216000"/>
+            <a:ext cx="7019640" cy="935640"/>
+          </a:xfrm>
+          <a:prstGeom prst="rect">
+            <a:avLst/>
+          </a:prstGeom>
+        </p:spPr>
+        <p:txBody>
+          <a:bodyPr lIns="0" rIns="0" tIns="0" bIns="0" anchor="ctr"/>
+          <a:p>
+            <a:pPr algn="ctr"/>
+            <a:endParaRPr b="0" lang="en-US" sz="4400" spc="-1" strike="noStrike">
+              <a:latin typeface="Arial"/>
+            </a:endParaRPr>
+          </a:p>
+        </p:txBody>
+      </p:sp>
+      <p:sp>
+        <p:nvSpPr>
+          <p:cNvPr id="64" name="PlaceHolder 2"/>
+          <p:cNvSpPr>
+            <a:spLocks noGrp="1"/>
+          </p:cNvSpPr>
+          <p:nvPr>
+            <p:ph type="body"/>
+          </p:nvPr>
+        </p:nvSpPr>
+        <p:spPr>
+          <a:xfrm>
+            <a:off x="504000" y="1368000"/>
+            <a:ext cx="9071640" cy="1568160"/>
+          </a:xfrm>
+          <a:prstGeom prst="rect">
+            <a:avLst/>
+          </a:prstGeom>
+        </p:spPr>
+        <p:txBody>
+          <a:bodyPr lIns="0" rIns="0" tIns="0" bIns="0">
+            <a:normAutofit/>
+          </a:bodyPr>
+          <a:p>
+            <a:endParaRPr b="0" lang="en-US" sz="3200" spc="-1" strike="noStrike">
+              <a:latin typeface="Arial"/>
+            </a:endParaRPr>
+          </a:p>
+        </p:txBody>
+      </p:sp>
+      <p:sp>
+        <p:nvSpPr>
+          <p:cNvPr id="65" name="PlaceHolder 3"/>
+          <p:cNvSpPr>
+            <a:spLocks noGrp="1"/>
+          </p:cNvSpPr>
+          <p:nvPr>
+            <p:ph type="body"/>
+          </p:nvPr>
+        </p:nvSpPr>
+        <p:spPr>
+          <a:xfrm>
+            <a:off x="504000" y="3085560"/>
+            <a:ext cx="9071640" cy="1568160"/>
+          </a:xfrm>
+          <a:prstGeom prst="rect">
+            <a:avLst/>
+          </a:prstGeom>
+        </p:spPr>
+        <p:txBody>
+          <a:bodyPr lIns="0" rIns="0" tIns="0" bIns="0">
+            <a:normAutofit/>
+          </a:bodyPr>
+          <a:p>
+            <a:endParaRPr b="0" lang="en-US" sz="3200" spc="-1" strike="noStrike">
+              <a:latin typeface="Arial"/>
+            </a:endParaRPr>
+          </a:p>
+        </p:txBody>
+      </p:sp>
+    </p:spTree>
+  </p:cSld>
+</p:sldLayout>
+</file>
+
+<file path=ppt/slideLayouts/slideLayout23.xml><?xml version="1.0" encoding="utf-8"?>
+<p:sldLayout xmlns:a="http://schemas.openxmlformats.org/drawingml/2006/main" xmlns:p="http://schemas.openxmlformats.org/presentationml/2006/main" xmlns:r="http://schemas.openxmlformats.org/officeDocument/2006/relationships" xmlns:p14="http://schemas.microsoft.com/office/powerpoint/2010/main" xmlns:p15="http://schemas.microsoft.com/office/powerpoint/2012/main" xmlns:mc="http://schemas.openxmlformats.org/markup-compatibility/2006" type="fourObj" preserve="1">
+  <p:cSld name="Title, 4 Content">
+    <p:spTree>
+      <p:nvGrpSpPr>
+        <p:cNvPr id="1" name=""/>
+        <p:cNvGrpSpPr/>
+        <p:nvPr/>
+      </p:nvGrpSpPr>
+      <p:grpSpPr>
+        <a:xfrm>
+          <a:off x="0" y="0"/>
+          <a:ext cx="0" cy="0"/>
+          <a:chOff x="0" y="0"/>
+          <a:chExt cx="0" cy="0"/>
+        </a:xfrm>
+      </p:grpSpPr>
+      <p:sp>
+        <p:nvSpPr>
+          <p:cNvPr id="66" name="PlaceHolder 1"/>
+          <p:cNvSpPr>
+            <a:spLocks noGrp="1"/>
+          </p:cNvSpPr>
+          <p:nvPr>
+            <p:ph type="title"/>
+          </p:nvPr>
+        </p:nvSpPr>
+        <p:spPr>
+          <a:xfrm>
+            <a:off x="504000" y="216000"/>
+            <a:ext cx="7019640" cy="935640"/>
+          </a:xfrm>
+          <a:prstGeom prst="rect">
+            <a:avLst/>
+          </a:prstGeom>
+        </p:spPr>
+        <p:txBody>
+          <a:bodyPr lIns="0" rIns="0" tIns="0" bIns="0" anchor="ctr"/>
+          <a:p>
+            <a:pPr algn="ctr"/>
+            <a:endParaRPr b="0" lang="en-US" sz="4400" spc="-1" strike="noStrike">
+              <a:latin typeface="Arial"/>
+            </a:endParaRPr>
+          </a:p>
+        </p:txBody>
+      </p:sp>
+      <p:sp>
+        <p:nvSpPr>
+          <p:cNvPr id="67" name="PlaceHolder 2"/>
+          <p:cNvSpPr>
+            <a:spLocks noGrp="1"/>
+          </p:cNvSpPr>
+          <p:nvPr>
+            <p:ph type="body"/>
+          </p:nvPr>
+        </p:nvSpPr>
+        <p:spPr>
+          <a:xfrm>
+            <a:off x="504000" y="1368000"/>
+            <a:ext cx="4426920" cy="1568160"/>
+          </a:xfrm>
+          <a:prstGeom prst="rect">
+            <a:avLst/>
+          </a:prstGeom>
+        </p:spPr>
+        <p:txBody>
+          <a:bodyPr lIns="0" rIns="0" tIns="0" bIns="0">
+            <a:normAutofit/>
+          </a:bodyPr>
+          <a:p>
+            <a:endParaRPr b="0" lang="en-US" sz="3200" spc="-1" strike="noStrike">
+              <a:latin typeface="Arial"/>
+            </a:endParaRPr>
+          </a:p>
+        </p:txBody>
+      </p:sp>
+      <p:sp>
+        <p:nvSpPr>
+          <p:cNvPr id="68" name="PlaceHolder 3"/>
+          <p:cNvSpPr>
+            <a:spLocks noGrp="1"/>
+          </p:cNvSpPr>
+          <p:nvPr>
+            <p:ph type="body"/>
+          </p:nvPr>
+        </p:nvSpPr>
+        <p:spPr>
+          <a:xfrm>
+            <a:off x="5152680" y="1368000"/>
+            <a:ext cx="4426920" cy="1568160"/>
+          </a:xfrm>
+          <a:prstGeom prst="rect">
+            <a:avLst/>
+          </a:prstGeom>
+        </p:spPr>
+        <p:txBody>
+          <a:bodyPr lIns="0" rIns="0" tIns="0" bIns="0">
+            <a:normAutofit/>
+          </a:bodyPr>
+          <a:p>
+            <a:endParaRPr b="0" lang="en-US" sz="3200" spc="-1" strike="noStrike">
+              <a:latin typeface="Arial"/>
+            </a:endParaRPr>
+          </a:p>
+        </p:txBody>
+      </p:sp>
+      <p:sp>
+        <p:nvSpPr>
+          <p:cNvPr id="69" name="PlaceHolder 4"/>
+          <p:cNvSpPr>
+            <a:spLocks noGrp="1"/>
+          </p:cNvSpPr>
+          <p:nvPr>
+            <p:ph type="body"/>
+          </p:nvPr>
+        </p:nvSpPr>
+        <p:spPr>
+          <a:xfrm>
+            <a:off x="504000" y="3085560"/>
+            <a:ext cx="4426920" cy="1568160"/>
+          </a:xfrm>
+          <a:prstGeom prst="rect">
+            <a:avLst/>
+          </a:prstGeom>
+        </p:spPr>
+        <p:txBody>
+          <a:bodyPr lIns="0" rIns="0" tIns="0" bIns="0">
+            <a:normAutofit/>
+          </a:bodyPr>
+          <a:p>
+            <a:endParaRPr b="0" lang="en-US" sz="3200" spc="-1" strike="noStrike">
+              <a:latin typeface="Arial"/>
+            </a:endParaRPr>
+          </a:p>
+        </p:txBody>
+      </p:sp>
+      <p:sp>
+        <p:nvSpPr>
+          <p:cNvPr id="70" name="PlaceHolder 5"/>
+          <p:cNvSpPr>
+            <a:spLocks noGrp="1"/>
+          </p:cNvSpPr>
+          <p:nvPr>
+            <p:ph type="body"/>
+          </p:nvPr>
+        </p:nvSpPr>
+        <p:spPr>
+          <a:xfrm>
+            <a:off x="5152680" y="3085560"/>
+            <a:ext cx="4426920" cy="1568160"/>
+          </a:xfrm>
+          <a:prstGeom prst="rect">
+            <a:avLst/>
+          </a:prstGeom>
+        </p:spPr>
+        <p:txBody>
+          <a:bodyPr lIns="0" rIns="0" tIns="0" bIns="0">
+            <a:normAutofit/>
+          </a:bodyPr>
+          <a:p>
+            <a:endParaRPr b="0" lang="en-US" sz="3200" spc="-1" strike="noStrike">
+              <a:latin typeface="Arial"/>
+            </a:endParaRPr>
+          </a:p>
+        </p:txBody>
+      </p:sp>
+    </p:spTree>
+  </p:cSld>
+</p:sldLayout>
+</file>
+
+<file path=ppt/slideLayouts/slideLayout24.xml><?xml version="1.0" encoding="utf-8"?>
+<p:sldLayout xmlns:a="http://schemas.openxmlformats.org/drawingml/2006/main" xmlns:p="http://schemas.openxmlformats.org/presentationml/2006/main" xmlns:r="http://schemas.openxmlformats.org/officeDocument/2006/relationships" xmlns:p14="http://schemas.microsoft.com/office/powerpoint/2010/main" xmlns:p15="http://schemas.microsoft.com/office/powerpoint/2012/main" xmlns:mc="http://schemas.openxmlformats.org/markup-compatibility/2006" type="blank" preserve="1">
+  <p:cSld name="Title, 6 Content">
+    <p:spTree>
+      <p:nvGrpSpPr>
+        <p:cNvPr id="1" name=""/>
+        <p:cNvGrpSpPr/>
+        <p:nvPr/>
+      </p:nvGrpSpPr>
+      <p:grpSpPr>
+        <a:xfrm>
+          <a:off x="0" y="0"/>
+          <a:ext cx="0" cy="0"/>
+          <a:chOff x="0" y="0"/>
+          <a:chExt cx="0" cy="0"/>
+        </a:xfrm>
+      </p:grpSpPr>
+      <p:sp>
+        <p:nvSpPr>
+          <p:cNvPr id="71" name="PlaceHolder 1"/>
+          <p:cNvSpPr>
+            <a:spLocks noGrp="1"/>
+          </p:cNvSpPr>
+          <p:nvPr>
+            <p:ph type="title"/>
+          </p:nvPr>
+        </p:nvSpPr>
+        <p:spPr>
+          <a:xfrm>
+            <a:off x="504000" y="216000"/>
+            <a:ext cx="7019640" cy="935640"/>
+          </a:xfrm>
+          <a:prstGeom prst="rect">
+            <a:avLst/>
+          </a:prstGeom>
+        </p:spPr>
+        <p:txBody>
+          <a:bodyPr lIns="0" rIns="0" tIns="0" bIns="0" anchor="ctr"/>
+          <a:p>
+            <a:pPr algn="ctr"/>
+            <a:endParaRPr b="0" lang="en-US" sz="4400" spc="-1" strike="noStrike">
+              <a:latin typeface="Arial"/>
+            </a:endParaRPr>
+          </a:p>
+        </p:txBody>
+      </p:sp>
+      <p:sp>
+        <p:nvSpPr>
+          <p:cNvPr id="72" name="PlaceHolder 2"/>
+          <p:cNvSpPr>
+            <a:spLocks noGrp="1"/>
+          </p:cNvSpPr>
+          <p:nvPr>
+            <p:ph type="body"/>
+          </p:nvPr>
+        </p:nvSpPr>
+        <p:spPr>
+          <a:xfrm>
+            <a:off x="504000" y="1368000"/>
+            <a:ext cx="2920680" cy="1568160"/>
+          </a:xfrm>
+          <a:prstGeom prst="rect">
+            <a:avLst/>
+          </a:prstGeom>
+        </p:spPr>
+        <p:txBody>
+          <a:bodyPr lIns="0" rIns="0" tIns="0" bIns="0">
+            <a:normAutofit/>
+          </a:bodyPr>
+          <a:p>
+            <a:endParaRPr b="0" lang="en-US" sz="3200" spc="-1" strike="noStrike">
+              <a:latin typeface="Arial"/>
+            </a:endParaRPr>
+          </a:p>
+        </p:txBody>
+      </p:sp>
+      <p:sp>
+        <p:nvSpPr>
+          <p:cNvPr id="73" name="PlaceHolder 3"/>
+          <p:cNvSpPr>
+            <a:spLocks noGrp="1"/>
+          </p:cNvSpPr>
+          <p:nvPr>
+            <p:ph type="body"/>
+          </p:nvPr>
+        </p:nvSpPr>
+        <p:spPr>
+          <a:xfrm>
+            <a:off x="3571200" y="1368000"/>
+            <a:ext cx="2920680" cy="1568160"/>
+          </a:xfrm>
+          <a:prstGeom prst="rect">
+            <a:avLst/>
+          </a:prstGeom>
+        </p:spPr>
+        <p:txBody>
+          <a:bodyPr lIns="0" rIns="0" tIns="0" bIns="0">
+            <a:normAutofit/>
+          </a:bodyPr>
+          <a:p>
+            <a:endParaRPr b="0" lang="en-US" sz="3200" spc="-1" strike="noStrike">
+              <a:latin typeface="Arial"/>
+            </a:endParaRPr>
+          </a:p>
+        </p:txBody>
+      </p:sp>
+      <p:sp>
+        <p:nvSpPr>
+          <p:cNvPr id="74" name="PlaceHolder 4"/>
+          <p:cNvSpPr>
+            <a:spLocks noGrp="1"/>
+          </p:cNvSpPr>
+          <p:nvPr>
+            <p:ph type="body"/>
+          </p:nvPr>
+        </p:nvSpPr>
+        <p:spPr>
+          <a:xfrm>
+            <a:off x="6638040" y="1368000"/>
+            <a:ext cx="2920680" cy="1568160"/>
+          </a:xfrm>
+          <a:prstGeom prst="rect">
+            <a:avLst/>
+          </a:prstGeom>
+        </p:spPr>
+        <p:txBody>
+          <a:bodyPr lIns="0" rIns="0" tIns="0" bIns="0">
+            <a:normAutofit/>
+          </a:bodyPr>
+          <a:p>
+            <a:endParaRPr b="0" lang="en-US" sz="3200" spc="-1" strike="noStrike">
+              <a:latin typeface="Arial"/>
+            </a:endParaRPr>
+          </a:p>
+        </p:txBody>
+      </p:sp>
+      <p:sp>
+        <p:nvSpPr>
+          <p:cNvPr id="75" name="PlaceHolder 5"/>
+          <p:cNvSpPr>
+            <a:spLocks noGrp="1"/>
+          </p:cNvSpPr>
+          <p:nvPr>
+            <p:ph type="body"/>
+          </p:nvPr>
+        </p:nvSpPr>
+        <p:spPr>
+          <a:xfrm>
+            <a:off x="504000" y="3085560"/>
+            <a:ext cx="2920680" cy="1568160"/>
+          </a:xfrm>
+          <a:prstGeom prst="rect">
+            <a:avLst/>
+          </a:prstGeom>
+        </p:spPr>
+        <p:txBody>
+          <a:bodyPr lIns="0" rIns="0" tIns="0" bIns="0">
+            <a:normAutofit/>
+          </a:bodyPr>
+          <a:p>
+            <a:endParaRPr b="0" lang="en-US" sz="3200" spc="-1" strike="noStrike">
+              <a:latin typeface="Arial"/>
+            </a:endParaRPr>
+          </a:p>
+        </p:txBody>
+      </p:sp>
+      <p:sp>
+        <p:nvSpPr>
+          <p:cNvPr id="76" name="PlaceHolder 6"/>
+          <p:cNvSpPr>
+            <a:spLocks noGrp="1"/>
+          </p:cNvSpPr>
+          <p:nvPr>
+            <p:ph type="body"/>
+          </p:nvPr>
+        </p:nvSpPr>
+        <p:spPr>
+          <a:xfrm>
+            <a:off x="3571200" y="3085560"/>
+            <a:ext cx="2920680" cy="1568160"/>
+          </a:xfrm>
+          <a:prstGeom prst="rect">
+            <a:avLst/>
+          </a:prstGeom>
+        </p:spPr>
+        <p:txBody>
+          <a:bodyPr lIns="0" rIns="0" tIns="0" bIns="0">
+            <a:normAutofit/>
+          </a:bodyPr>
+          <a:p>
+            <a:endParaRPr b="0" lang="en-US" sz="3200" spc="-1" strike="noStrike">
+              <a:latin typeface="Arial"/>
+            </a:endParaRPr>
+          </a:p>
+        </p:txBody>
+      </p:sp>
+      <p:sp>
+        <p:nvSpPr>
+          <p:cNvPr id="77" name="PlaceHolder 7"/>
+          <p:cNvSpPr>
+            <a:spLocks noGrp="1"/>
+          </p:cNvSpPr>
+          <p:nvPr>
+            <p:ph type="body"/>
+          </p:nvPr>
+        </p:nvSpPr>
+        <p:spPr>
+          <a:xfrm>
+            <a:off x="6638040" y="3085560"/>
+            <a:ext cx="2920680" cy="1568160"/>
+          </a:xfrm>
+          <a:prstGeom prst="rect">
+            <a:avLst/>
+          </a:prstGeom>
+        </p:spPr>
+        <p:txBody>
+          <a:bodyPr lIns="0" rIns="0" tIns="0" bIns="0">
+            <a:normAutofit/>
+          </a:bodyPr>
+          <a:p>
             <a:endParaRPr b="0" lang="en-US" sz="3200" spc="-1" strike="noStrike">
               <a:latin typeface="Arial"/>
             </a:endParaRPr>
@@ -655,7 +1981,7 @@
       </p:grpSpPr>
       <p:sp>
         <p:nvSpPr>
-          <p:cNvPr id="8" name="PlaceHolder 1"/>
+          <p:cNvPr id="5" name="PlaceHolder 1"/>
           <p:cNvSpPr>
             <a:spLocks noGrp="1"/>
           </p:cNvSpPr>
@@ -666,7 +1992,7 @@
         <p:spPr>
           <a:xfrm>
             <a:off x="504000" y="216000"/>
-            <a:ext cx="7020000" cy="936000"/>
+            <a:ext cx="7019640" cy="935640"/>
           </a:xfrm>
           <a:prstGeom prst="rect">
             <a:avLst/>
@@ -675,18 +2001,16 @@
         <p:txBody>
           <a:bodyPr lIns="0" rIns="0" tIns="0" bIns="0" anchor="ctr"/>
           <a:p>
-            <a:endParaRPr b="0" lang="en-US" sz="3570" spc="-1" strike="noStrike">
-              <a:solidFill>
-                <a:srgbClr val="ffffff"/>
-              </a:solidFill>
-              <a:latin typeface="Arial"/>
-            </a:endParaRPr>
-          </a:p>
-        </p:txBody>
-      </p:sp>
-      <p:sp>
-        <p:nvSpPr>
-          <p:cNvPr id="9" name="PlaceHolder 2"/>
+            <a:pPr algn="ctr"/>
+            <a:endParaRPr b="0" lang="en-US" sz="4400" spc="-1" strike="noStrike">
+              <a:latin typeface="Arial"/>
+            </a:endParaRPr>
+          </a:p>
+        </p:txBody>
+      </p:sp>
+      <p:sp>
+        <p:nvSpPr>
+          <p:cNvPr id="6" name="PlaceHolder 2"/>
           <p:cNvSpPr>
             <a:spLocks noGrp="1"/>
           </p:cNvSpPr>
@@ -697,7 +2021,7 @@
         <p:spPr>
           <a:xfrm>
             <a:off x="504000" y="1368000"/>
-            <a:ext cx="9072000" cy="3288240"/>
+            <a:ext cx="9071640" cy="3287880"/>
           </a:xfrm>
           <a:prstGeom prst="rect">
             <a:avLst/>
@@ -708,7 +2032,7 @@
             <a:normAutofit/>
           </a:bodyPr>
           <a:p>
-            <a:endParaRPr b="0" lang="en-US" sz="2600" spc="-1" strike="noStrike">
+            <a:endParaRPr b="0" lang="en-US" sz="3200" spc="-1" strike="noStrike">
               <a:latin typeface="Arial"/>
             </a:endParaRPr>
           </a:p>
@@ -738,7 +2062,7 @@
       </p:grpSpPr>
       <p:sp>
         <p:nvSpPr>
-          <p:cNvPr id="10" name="PlaceHolder 1"/>
+          <p:cNvPr id="7" name="PlaceHolder 1"/>
           <p:cNvSpPr>
             <a:spLocks noGrp="1"/>
           </p:cNvSpPr>
@@ -749,7 +2073,7 @@
         <p:spPr>
           <a:xfrm>
             <a:off x="504000" y="216000"/>
-            <a:ext cx="7020000" cy="936000"/>
+            <a:ext cx="7019640" cy="935640"/>
           </a:xfrm>
           <a:prstGeom prst="rect">
             <a:avLst/>
@@ -758,18 +2082,16 @@
         <p:txBody>
           <a:bodyPr lIns="0" rIns="0" tIns="0" bIns="0" anchor="ctr"/>
           <a:p>
-            <a:endParaRPr b="0" lang="en-US" sz="3570" spc="-1" strike="noStrike">
-              <a:solidFill>
-                <a:srgbClr val="ffffff"/>
-              </a:solidFill>
-              <a:latin typeface="Arial"/>
-            </a:endParaRPr>
-          </a:p>
-        </p:txBody>
-      </p:sp>
-      <p:sp>
-        <p:nvSpPr>
-          <p:cNvPr id="11" name="PlaceHolder 2"/>
+            <a:pPr algn="ctr"/>
+            <a:endParaRPr b="0" lang="en-US" sz="4400" spc="-1" strike="noStrike">
+              <a:latin typeface="Arial"/>
+            </a:endParaRPr>
+          </a:p>
+        </p:txBody>
+      </p:sp>
+      <p:sp>
+        <p:nvSpPr>
+          <p:cNvPr id="8" name="PlaceHolder 2"/>
           <p:cNvSpPr>
             <a:spLocks noGrp="1"/>
           </p:cNvSpPr>
@@ -780,7 +2102,7 @@
         <p:spPr>
           <a:xfrm>
             <a:off x="504000" y="1368000"/>
-            <a:ext cx="4426920" cy="3288240"/>
+            <a:ext cx="4426920" cy="3287880"/>
           </a:xfrm>
           <a:prstGeom prst="rect">
             <a:avLst/>
@@ -791,15 +2113,15 @@
             <a:normAutofit/>
           </a:bodyPr>
           <a:p>
-            <a:endParaRPr b="0" lang="en-US" sz="2600" spc="-1" strike="noStrike">
-              <a:latin typeface="Arial"/>
-            </a:endParaRPr>
-          </a:p>
-        </p:txBody>
-      </p:sp>
-      <p:sp>
-        <p:nvSpPr>
-          <p:cNvPr id="12" name="PlaceHolder 3"/>
+            <a:endParaRPr b="0" lang="en-US" sz="3200" spc="-1" strike="noStrike">
+              <a:latin typeface="Arial"/>
+            </a:endParaRPr>
+          </a:p>
+        </p:txBody>
+      </p:sp>
+      <p:sp>
+        <p:nvSpPr>
+          <p:cNvPr id="9" name="PlaceHolder 3"/>
           <p:cNvSpPr>
             <a:spLocks noGrp="1"/>
           </p:cNvSpPr>
@@ -810,7 +2132,7 @@
         <p:spPr>
           <a:xfrm>
             <a:off x="5152680" y="1368000"/>
-            <a:ext cx="4426920" cy="3288240"/>
+            <a:ext cx="4426920" cy="3287880"/>
           </a:xfrm>
           <a:prstGeom prst="rect">
             <a:avLst/>
@@ -821,7 +2143,7 @@
             <a:normAutofit/>
           </a:bodyPr>
           <a:p>
-            <a:endParaRPr b="0" lang="en-US" sz="2600" spc="-1" strike="noStrike">
+            <a:endParaRPr b="0" lang="en-US" sz="3200" spc="-1" strike="noStrike">
               <a:latin typeface="Arial"/>
             </a:endParaRPr>
           </a:p>
@@ -851,7 +2173,7 @@
       </p:grpSpPr>
       <p:sp>
         <p:nvSpPr>
-          <p:cNvPr id="13" name="PlaceHolder 1"/>
+          <p:cNvPr id="10" name="PlaceHolder 1"/>
           <p:cNvSpPr>
             <a:spLocks noGrp="1"/>
           </p:cNvSpPr>
@@ -862,7 +2184,7 @@
         <p:spPr>
           <a:xfrm>
             <a:off x="504000" y="216000"/>
-            <a:ext cx="7020000" cy="936000"/>
+            <a:ext cx="7019640" cy="935640"/>
           </a:xfrm>
           <a:prstGeom prst="rect">
             <a:avLst/>
@@ -871,10 +2193,8 @@
         <p:txBody>
           <a:bodyPr lIns="0" rIns="0" tIns="0" bIns="0" anchor="ctr"/>
           <a:p>
-            <a:endParaRPr b="0" lang="en-US" sz="3570" spc="-1" strike="noStrike">
-              <a:solidFill>
-                <a:srgbClr val="ffffff"/>
-              </a:solidFill>
+            <a:pPr algn="ctr"/>
+            <a:endParaRPr b="0" lang="en-US" sz="4400" spc="-1" strike="noStrike">
               <a:latin typeface="Arial"/>
             </a:endParaRPr>
           </a:p>
@@ -904,7 +2224,7 @@
       </p:grpSpPr>
       <p:sp>
         <p:nvSpPr>
-          <p:cNvPr id="14" name="PlaceHolder 1"/>
+          <p:cNvPr id="11" name="PlaceHolder 1"/>
           <p:cNvSpPr>
             <a:spLocks noGrp="1"/>
           </p:cNvSpPr>
@@ -915,7 +2235,7 @@
         <p:spPr>
           <a:xfrm>
             <a:off x="504000" y="216000"/>
-            <a:ext cx="7020000" cy="4340160"/>
+            <a:ext cx="7019640" cy="4338360"/>
           </a:xfrm>
           <a:prstGeom prst="rect">
             <a:avLst/>
@@ -955,7 +2275,7 @@
       </p:grpSpPr>
       <p:sp>
         <p:nvSpPr>
-          <p:cNvPr id="15" name="PlaceHolder 1"/>
+          <p:cNvPr id="12" name="PlaceHolder 1"/>
           <p:cNvSpPr>
             <a:spLocks noGrp="1"/>
           </p:cNvSpPr>
@@ -966,7 +2286,7 @@
         <p:spPr>
           <a:xfrm>
             <a:off x="504000" y="216000"/>
-            <a:ext cx="7020000" cy="936000"/>
+            <a:ext cx="7019640" cy="935640"/>
           </a:xfrm>
           <a:prstGeom prst="rect">
             <a:avLst/>
@@ -975,18 +2295,16 @@
         <p:txBody>
           <a:bodyPr lIns="0" rIns="0" tIns="0" bIns="0" anchor="ctr"/>
           <a:p>
-            <a:endParaRPr b="0" lang="en-US" sz="3570" spc="-1" strike="noStrike">
-              <a:solidFill>
-                <a:srgbClr val="ffffff"/>
-              </a:solidFill>
-              <a:latin typeface="Arial"/>
-            </a:endParaRPr>
-          </a:p>
-        </p:txBody>
-      </p:sp>
-      <p:sp>
-        <p:nvSpPr>
-          <p:cNvPr id="16" name="PlaceHolder 2"/>
+            <a:pPr algn="ctr"/>
+            <a:endParaRPr b="0" lang="en-US" sz="4400" spc="-1" strike="noStrike">
+              <a:latin typeface="Arial"/>
+            </a:endParaRPr>
+          </a:p>
+        </p:txBody>
+      </p:sp>
+      <p:sp>
+        <p:nvSpPr>
+          <p:cNvPr id="13" name="PlaceHolder 2"/>
           <p:cNvSpPr>
             <a:spLocks noGrp="1"/>
           </p:cNvSpPr>
@@ -1008,15 +2326,15 @@
             <a:normAutofit/>
           </a:bodyPr>
           <a:p>
-            <a:endParaRPr b="0" lang="en-US" sz="2600" spc="-1" strike="noStrike">
-              <a:latin typeface="Arial"/>
-            </a:endParaRPr>
-          </a:p>
-        </p:txBody>
-      </p:sp>
-      <p:sp>
-        <p:nvSpPr>
-          <p:cNvPr id="17" name="PlaceHolder 3"/>
+            <a:endParaRPr b="0" lang="en-US" sz="3200" spc="-1" strike="noStrike">
+              <a:latin typeface="Arial"/>
+            </a:endParaRPr>
+          </a:p>
+        </p:txBody>
+      </p:sp>
+      <p:sp>
+        <p:nvSpPr>
+          <p:cNvPr id="14" name="PlaceHolder 3"/>
           <p:cNvSpPr>
             <a:spLocks noGrp="1"/>
           </p:cNvSpPr>
@@ -1027,7 +2345,7 @@
         <p:spPr>
           <a:xfrm>
             <a:off x="5152680" y="1368000"/>
-            <a:ext cx="4426920" cy="3288240"/>
+            <a:ext cx="4426920" cy="3287880"/>
           </a:xfrm>
           <a:prstGeom prst="rect">
             <a:avLst/>
@@ -1038,15 +2356,15 @@
             <a:normAutofit/>
           </a:bodyPr>
           <a:p>
-            <a:endParaRPr b="0" lang="en-US" sz="2600" spc="-1" strike="noStrike">
-              <a:latin typeface="Arial"/>
-            </a:endParaRPr>
-          </a:p>
-        </p:txBody>
-      </p:sp>
-      <p:sp>
-        <p:nvSpPr>
-          <p:cNvPr id="18" name="PlaceHolder 4"/>
+            <a:endParaRPr b="0" lang="en-US" sz="3200" spc="-1" strike="noStrike">
+              <a:latin typeface="Arial"/>
+            </a:endParaRPr>
+          </a:p>
+        </p:txBody>
+      </p:sp>
+      <p:sp>
+        <p:nvSpPr>
+          <p:cNvPr id="15" name="PlaceHolder 4"/>
           <p:cNvSpPr>
             <a:spLocks noGrp="1"/>
           </p:cNvSpPr>
@@ -1068,7 +2386,7 @@
             <a:normAutofit/>
           </a:bodyPr>
           <a:p>
-            <a:endParaRPr b="0" lang="en-US" sz="2600" spc="-1" strike="noStrike">
+            <a:endParaRPr b="0" lang="en-US" sz="3200" spc="-1" strike="noStrike">
               <a:latin typeface="Arial"/>
             </a:endParaRPr>
           </a:p>
@@ -1098,7 +2416,7 @@
       </p:grpSpPr>
       <p:sp>
         <p:nvSpPr>
-          <p:cNvPr id="19" name="PlaceHolder 1"/>
+          <p:cNvPr id="16" name="PlaceHolder 1"/>
           <p:cNvSpPr>
             <a:spLocks noGrp="1"/>
           </p:cNvSpPr>
@@ -1109,7 +2427,7 @@
         <p:spPr>
           <a:xfrm>
             <a:off x="504000" y="216000"/>
-            <a:ext cx="7020000" cy="936000"/>
+            <a:ext cx="7019640" cy="935640"/>
           </a:xfrm>
           <a:prstGeom prst="rect">
             <a:avLst/>
@@ -1118,18 +2436,16 @@
         <p:txBody>
           <a:bodyPr lIns="0" rIns="0" tIns="0" bIns="0" anchor="ctr"/>
           <a:p>
-            <a:endParaRPr b="0" lang="en-US" sz="3570" spc="-1" strike="noStrike">
-              <a:solidFill>
-                <a:srgbClr val="ffffff"/>
-              </a:solidFill>
-              <a:latin typeface="Arial"/>
-            </a:endParaRPr>
-          </a:p>
-        </p:txBody>
-      </p:sp>
-      <p:sp>
-        <p:nvSpPr>
-          <p:cNvPr id="20" name="PlaceHolder 2"/>
+            <a:pPr algn="ctr"/>
+            <a:endParaRPr b="0" lang="en-US" sz="4400" spc="-1" strike="noStrike">
+              <a:latin typeface="Arial"/>
+            </a:endParaRPr>
+          </a:p>
+        </p:txBody>
+      </p:sp>
+      <p:sp>
+        <p:nvSpPr>
+          <p:cNvPr id="17" name="PlaceHolder 2"/>
           <p:cNvSpPr>
             <a:spLocks noGrp="1"/>
           </p:cNvSpPr>
@@ -1140,7 +2456,7 @@
         <p:spPr>
           <a:xfrm>
             <a:off x="504000" y="1368000"/>
-            <a:ext cx="4426920" cy="3288240"/>
+            <a:ext cx="4426920" cy="3287880"/>
           </a:xfrm>
           <a:prstGeom prst="rect">
             <a:avLst/>
@@ -1151,15 +2467,15 @@
             <a:normAutofit/>
           </a:bodyPr>
           <a:p>
-            <a:endParaRPr b="0" lang="en-US" sz="2600" spc="-1" strike="noStrike">
-              <a:latin typeface="Arial"/>
-            </a:endParaRPr>
-          </a:p>
-        </p:txBody>
-      </p:sp>
-      <p:sp>
-        <p:nvSpPr>
-          <p:cNvPr id="21" name="PlaceHolder 3"/>
+            <a:endParaRPr b="0" lang="en-US" sz="3200" spc="-1" strike="noStrike">
+              <a:latin typeface="Arial"/>
+            </a:endParaRPr>
+          </a:p>
+        </p:txBody>
+      </p:sp>
+      <p:sp>
+        <p:nvSpPr>
+          <p:cNvPr id="18" name="PlaceHolder 3"/>
           <p:cNvSpPr>
             <a:spLocks noGrp="1"/>
           </p:cNvSpPr>
@@ -1181,15 +2497,15 @@
             <a:normAutofit/>
           </a:bodyPr>
           <a:p>
-            <a:endParaRPr b="0" lang="en-US" sz="2600" spc="-1" strike="noStrike">
-              <a:latin typeface="Arial"/>
-            </a:endParaRPr>
-          </a:p>
-        </p:txBody>
-      </p:sp>
-      <p:sp>
-        <p:nvSpPr>
-          <p:cNvPr id="22" name="PlaceHolder 4"/>
+            <a:endParaRPr b="0" lang="en-US" sz="3200" spc="-1" strike="noStrike">
+              <a:latin typeface="Arial"/>
+            </a:endParaRPr>
+          </a:p>
+        </p:txBody>
+      </p:sp>
+      <p:sp>
+        <p:nvSpPr>
+          <p:cNvPr id="19" name="PlaceHolder 4"/>
           <p:cNvSpPr>
             <a:spLocks noGrp="1"/>
           </p:cNvSpPr>
@@ -1211,7 +2527,7 @@
             <a:normAutofit/>
           </a:bodyPr>
           <a:p>
-            <a:endParaRPr b="0" lang="en-US" sz="2600" spc="-1" strike="noStrike">
+            <a:endParaRPr b="0" lang="en-US" sz="3200" spc="-1" strike="noStrike">
               <a:latin typeface="Arial"/>
             </a:endParaRPr>
           </a:p>
@@ -1241,7 +2557,7 @@
       </p:grpSpPr>
       <p:sp>
         <p:nvSpPr>
-          <p:cNvPr id="23" name="PlaceHolder 1"/>
+          <p:cNvPr id="20" name="PlaceHolder 1"/>
           <p:cNvSpPr>
             <a:spLocks noGrp="1"/>
           </p:cNvSpPr>
@@ -1252,7 +2568,7 @@
         <p:spPr>
           <a:xfrm>
             <a:off x="504000" y="216000"/>
-            <a:ext cx="7020000" cy="936000"/>
+            <a:ext cx="7019640" cy="935640"/>
           </a:xfrm>
           <a:prstGeom prst="rect">
             <a:avLst/>
@@ -1261,18 +2577,16 @@
         <p:txBody>
           <a:bodyPr lIns="0" rIns="0" tIns="0" bIns="0" anchor="ctr"/>
           <a:p>
-            <a:endParaRPr b="0" lang="en-US" sz="3570" spc="-1" strike="noStrike">
-              <a:solidFill>
-                <a:srgbClr val="ffffff"/>
-              </a:solidFill>
-              <a:latin typeface="Arial"/>
-            </a:endParaRPr>
-          </a:p>
-        </p:txBody>
-      </p:sp>
-      <p:sp>
-        <p:nvSpPr>
-          <p:cNvPr id="24" name="PlaceHolder 2"/>
+            <a:pPr algn="ctr"/>
+            <a:endParaRPr b="0" lang="en-US" sz="4400" spc="-1" strike="noStrike">
+              <a:latin typeface="Arial"/>
+            </a:endParaRPr>
+          </a:p>
+        </p:txBody>
+      </p:sp>
+      <p:sp>
+        <p:nvSpPr>
+          <p:cNvPr id="21" name="PlaceHolder 2"/>
           <p:cNvSpPr>
             <a:spLocks noGrp="1"/>
           </p:cNvSpPr>
@@ -1294,15 +2608,15 @@
             <a:normAutofit/>
           </a:bodyPr>
           <a:p>
-            <a:endParaRPr b="0" lang="en-US" sz="2600" spc="-1" strike="noStrike">
-              <a:latin typeface="Arial"/>
-            </a:endParaRPr>
-          </a:p>
-        </p:txBody>
-      </p:sp>
-      <p:sp>
-        <p:nvSpPr>
-          <p:cNvPr id="25" name="PlaceHolder 3"/>
+            <a:endParaRPr b="0" lang="en-US" sz="3200" spc="-1" strike="noStrike">
+              <a:latin typeface="Arial"/>
+            </a:endParaRPr>
+          </a:p>
+        </p:txBody>
+      </p:sp>
+      <p:sp>
+        <p:nvSpPr>
+          <p:cNvPr id="22" name="PlaceHolder 3"/>
           <p:cNvSpPr>
             <a:spLocks noGrp="1"/>
           </p:cNvSpPr>
@@ -1324,15 +2638,15 @@
             <a:normAutofit/>
           </a:bodyPr>
           <a:p>
-            <a:endParaRPr b="0" lang="en-US" sz="2600" spc="-1" strike="noStrike">
-              <a:latin typeface="Arial"/>
-            </a:endParaRPr>
-          </a:p>
-        </p:txBody>
-      </p:sp>
-      <p:sp>
-        <p:nvSpPr>
-          <p:cNvPr id="26" name="PlaceHolder 4"/>
+            <a:endParaRPr b="0" lang="en-US" sz="3200" spc="-1" strike="noStrike">
+              <a:latin typeface="Arial"/>
+            </a:endParaRPr>
+          </a:p>
+        </p:txBody>
+      </p:sp>
+      <p:sp>
+        <p:nvSpPr>
+          <p:cNvPr id="23" name="PlaceHolder 4"/>
           <p:cNvSpPr>
             <a:spLocks noGrp="1"/>
           </p:cNvSpPr>
@@ -1343,7 +2657,7 @@
         <p:spPr>
           <a:xfrm>
             <a:off x="504000" y="3085560"/>
-            <a:ext cx="9072000" cy="1568160"/>
+            <a:ext cx="9071640" cy="1568160"/>
           </a:xfrm>
           <a:prstGeom prst="rect">
             <a:avLst/>
@@ -1354,7 +2668,7 @@
             <a:normAutofit/>
           </a:bodyPr>
           <a:p>
-            <a:endParaRPr b="0" lang="en-US" sz="2600" spc="-1" strike="noStrike">
+            <a:endParaRPr b="0" lang="en-US" sz="3200" spc="-1" strike="noStrike">
               <a:latin typeface="Arial"/>
             </a:endParaRPr>
           </a:p>
@@ -1395,7 +2709,7 @@
         <p:spPr>
           <a:xfrm>
             <a:off x="-58320" y="81000"/>
-            <a:ext cx="7794360" cy="1205640"/>
+            <a:ext cx="7794000" cy="1205280"/>
           </a:xfrm>
           <a:prstGeom prst="rect">
             <a:avLst/>
@@ -1418,7 +2732,7 @@
         <p:spPr>
           <a:xfrm>
             <a:off x="504000" y="216000"/>
-            <a:ext cx="7020000" cy="936000"/>
+            <a:ext cx="7019640" cy="935640"/>
           </a:xfrm>
           <a:prstGeom prst="rect">
             <a:avLst/>
@@ -1428,306 +2742,30 @@
           <a:bodyPr lIns="0" rIns="0" tIns="0" bIns="0" anchor="ctr"/>
           <a:p>
             <a:r>
-              <a:rPr b="0" lang="en-US" sz="3570" spc="-1" strike="noStrike">
-                <a:solidFill>
-                  <a:srgbClr val="ffffff"/>
-                </a:solidFill>
-                <a:latin typeface="Arial"/>
-              </a:rPr>
-              <a:t>C</a:t>
-            </a:r>
-            <a:r>
-              <a:rPr b="0" lang="en-US" sz="3570" spc="-1" strike="noStrike">
-                <a:solidFill>
-                  <a:srgbClr val="ffffff"/>
-                </a:solidFill>
-                <a:latin typeface="Arial"/>
-              </a:rPr>
-              <a:t>l</a:t>
-            </a:r>
-            <a:r>
-              <a:rPr b="0" lang="en-US" sz="3570" spc="-1" strike="noStrike">
-                <a:solidFill>
-                  <a:srgbClr val="ffffff"/>
-                </a:solidFill>
-                <a:latin typeface="Arial"/>
-              </a:rPr>
-              <a:t>i</a:t>
-            </a:r>
-            <a:r>
-              <a:rPr b="0" lang="en-US" sz="3570" spc="-1" strike="noStrike">
-                <a:solidFill>
-                  <a:srgbClr val="ffffff"/>
-                </a:solidFill>
-                <a:latin typeface="Arial"/>
-              </a:rPr>
-              <a:t>c</a:t>
-            </a:r>
-            <a:r>
-              <a:rPr b="0" lang="en-US" sz="3570" spc="-1" strike="noStrike">
-                <a:solidFill>
-                  <a:srgbClr val="ffffff"/>
-                </a:solidFill>
-                <a:latin typeface="Arial"/>
-              </a:rPr>
-              <a:t>k</a:t>
-            </a:r>
-            <a:r>
-              <a:rPr b="0" lang="en-US" sz="3570" spc="-1" strike="noStrike">
-                <a:solidFill>
-                  <a:srgbClr val="ffffff"/>
-                </a:solidFill>
-                <a:latin typeface="Arial"/>
-              </a:rPr>
-              <a:t> </a:t>
-            </a:r>
-            <a:r>
-              <a:rPr b="0" lang="en-US" sz="3570" spc="-1" strike="noStrike">
-                <a:solidFill>
-                  <a:srgbClr val="ffffff"/>
-                </a:solidFill>
-                <a:latin typeface="Arial"/>
-              </a:rPr>
-              <a:t>t</a:t>
-            </a:r>
-            <a:r>
-              <a:rPr b="0" lang="en-US" sz="3570" spc="-1" strike="noStrike">
-                <a:solidFill>
-                  <a:srgbClr val="ffffff"/>
-                </a:solidFill>
-                <a:latin typeface="Arial"/>
-              </a:rPr>
-              <a:t>o</a:t>
-            </a:r>
-            <a:r>
-              <a:rPr b="0" lang="en-US" sz="3570" spc="-1" strike="noStrike">
-                <a:solidFill>
-                  <a:srgbClr val="ffffff"/>
-                </a:solidFill>
-                <a:latin typeface="Arial"/>
-              </a:rPr>
-              <a:t> </a:t>
-            </a:r>
-            <a:r>
-              <a:rPr b="0" lang="en-US" sz="3570" spc="-1" strike="noStrike">
-                <a:solidFill>
-                  <a:srgbClr val="ffffff"/>
-                </a:solidFill>
-                <a:latin typeface="Arial"/>
-              </a:rPr>
-              <a:t>e</a:t>
-            </a:r>
-            <a:r>
-              <a:rPr b="0" lang="en-US" sz="3570" spc="-1" strike="noStrike">
-                <a:solidFill>
-                  <a:srgbClr val="ffffff"/>
-                </a:solidFill>
-                <a:latin typeface="Arial"/>
-              </a:rPr>
-              <a:t>d</a:t>
-            </a:r>
-            <a:r>
-              <a:rPr b="0" lang="en-US" sz="3570" spc="-1" strike="noStrike">
-                <a:solidFill>
-                  <a:srgbClr val="ffffff"/>
-                </a:solidFill>
-                <a:latin typeface="Arial"/>
-              </a:rPr>
-              <a:t>i</a:t>
-            </a:r>
-            <a:r>
-              <a:rPr b="0" lang="en-US" sz="3570" spc="-1" strike="noStrike">
-                <a:solidFill>
-                  <a:srgbClr val="ffffff"/>
-                </a:solidFill>
-                <a:latin typeface="Arial"/>
-              </a:rPr>
-              <a:t>t </a:t>
-            </a:r>
-            <a:r>
-              <a:rPr b="0" lang="en-US" sz="3570" spc="-1" strike="noStrike">
-                <a:solidFill>
-                  <a:srgbClr val="ffffff"/>
-                </a:solidFill>
-                <a:latin typeface="Arial"/>
-              </a:rPr>
-              <a:t>t</a:t>
-            </a:r>
-            <a:r>
-              <a:rPr b="0" lang="en-US" sz="3570" spc="-1" strike="noStrike">
-                <a:solidFill>
-                  <a:srgbClr val="ffffff"/>
-                </a:solidFill>
-                <a:latin typeface="Arial"/>
-              </a:rPr>
-              <a:t>h</a:t>
-            </a:r>
-            <a:r>
-              <a:rPr b="0" lang="en-US" sz="3570" spc="-1" strike="noStrike">
-                <a:solidFill>
-                  <a:srgbClr val="ffffff"/>
-                </a:solidFill>
-                <a:latin typeface="Arial"/>
-              </a:rPr>
-              <a:t>e</a:t>
-            </a:r>
-            <a:r>
-              <a:rPr b="0" lang="en-US" sz="3570" spc="-1" strike="noStrike">
-                <a:solidFill>
-                  <a:srgbClr val="ffffff"/>
-                </a:solidFill>
-                <a:latin typeface="Arial"/>
-              </a:rPr>
-              <a:t> </a:t>
-            </a:r>
-            <a:r>
-              <a:rPr b="0" lang="en-US" sz="3570" spc="-1" strike="noStrike">
-                <a:solidFill>
-                  <a:srgbClr val="ffffff"/>
-                </a:solidFill>
-                <a:latin typeface="Arial"/>
-              </a:rPr>
-              <a:t>t</a:t>
-            </a:r>
-            <a:r>
-              <a:rPr b="0" lang="en-US" sz="3570" spc="-1" strike="noStrike">
-                <a:solidFill>
-                  <a:srgbClr val="ffffff"/>
-                </a:solidFill>
-                <a:latin typeface="Arial"/>
-              </a:rPr>
-              <a:t>i</a:t>
-            </a:r>
-            <a:r>
-              <a:rPr b="0" lang="en-US" sz="3570" spc="-1" strike="noStrike">
-                <a:solidFill>
-                  <a:srgbClr val="ffffff"/>
-                </a:solidFill>
-                <a:latin typeface="Arial"/>
-              </a:rPr>
-              <a:t>t</a:t>
-            </a:r>
-            <a:r>
-              <a:rPr b="0" lang="en-US" sz="3570" spc="-1" strike="noStrike">
-                <a:solidFill>
-                  <a:srgbClr val="ffffff"/>
-                </a:solidFill>
-                <a:latin typeface="Arial"/>
-              </a:rPr>
-              <a:t>l</a:t>
-            </a:r>
-            <a:r>
-              <a:rPr b="0" lang="en-US" sz="3570" spc="-1" strike="noStrike">
-                <a:solidFill>
-                  <a:srgbClr val="ffffff"/>
-                </a:solidFill>
-                <a:latin typeface="Arial"/>
-              </a:rPr>
-              <a:t>e</a:t>
-            </a:r>
-            <a:r>
-              <a:rPr b="0" lang="en-US" sz="3570" spc="-1" strike="noStrike">
-                <a:solidFill>
-                  <a:srgbClr val="ffffff"/>
-                </a:solidFill>
-                <a:latin typeface="Arial"/>
-              </a:rPr>
-              <a:t> </a:t>
-            </a:r>
-            <a:r>
-              <a:rPr b="0" lang="en-US" sz="3570" spc="-1" strike="noStrike">
-                <a:solidFill>
-                  <a:srgbClr val="ffffff"/>
-                </a:solidFill>
-                <a:latin typeface="Arial"/>
-              </a:rPr>
-              <a:t>t</a:t>
-            </a:r>
-            <a:r>
-              <a:rPr b="0" lang="en-US" sz="3570" spc="-1" strike="noStrike">
-                <a:solidFill>
-                  <a:srgbClr val="ffffff"/>
-                </a:solidFill>
-                <a:latin typeface="Arial"/>
-              </a:rPr>
-              <a:t>e</a:t>
-            </a:r>
-            <a:r>
-              <a:rPr b="0" lang="en-US" sz="3570" spc="-1" strike="noStrike">
-                <a:solidFill>
-                  <a:srgbClr val="ffffff"/>
-                </a:solidFill>
-                <a:latin typeface="Arial"/>
-              </a:rPr>
-              <a:t>x</a:t>
-            </a:r>
-            <a:r>
-              <a:rPr b="0" lang="en-US" sz="3570" spc="-1" strike="noStrike">
-                <a:solidFill>
-                  <a:srgbClr val="ffffff"/>
-                </a:solidFill>
-                <a:latin typeface="Arial"/>
-              </a:rPr>
-              <a:t>t </a:t>
-            </a:r>
-            <a:r>
-              <a:rPr b="0" lang="en-US" sz="3570" spc="-1" strike="noStrike">
-                <a:solidFill>
-                  <a:srgbClr val="ffffff"/>
-                </a:solidFill>
-                <a:latin typeface="Arial"/>
-              </a:rPr>
-              <a:t>f</a:t>
-            </a:r>
-            <a:r>
-              <a:rPr b="0" lang="en-US" sz="3570" spc="-1" strike="noStrike">
-                <a:solidFill>
-                  <a:srgbClr val="ffffff"/>
-                </a:solidFill>
-                <a:latin typeface="Arial"/>
-              </a:rPr>
-              <a:t>o</a:t>
-            </a:r>
-            <a:r>
-              <a:rPr b="0" lang="en-US" sz="3570" spc="-1" strike="noStrike">
-                <a:solidFill>
-                  <a:srgbClr val="ffffff"/>
-                </a:solidFill>
-                <a:latin typeface="Arial"/>
-              </a:rPr>
-              <a:t>r</a:t>
-            </a:r>
-            <a:r>
-              <a:rPr b="0" lang="en-US" sz="3570" spc="-1" strike="noStrike">
-                <a:solidFill>
-                  <a:srgbClr val="ffffff"/>
-                </a:solidFill>
-                <a:latin typeface="Arial"/>
-              </a:rPr>
-              <a:t>m</a:t>
-            </a:r>
-            <a:r>
-              <a:rPr b="0" lang="en-US" sz="3570" spc="-1" strike="noStrike">
-                <a:solidFill>
-                  <a:srgbClr val="ffffff"/>
-                </a:solidFill>
-                <a:latin typeface="Arial"/>
-              </a:rPr>
-              <a:t>a</a:t>
-            </a:r>
-            <a:r>
-              <a:rPr b="0" lang="en-US" sz="3570" spc="-1" strike="noStrike">
-                <a:solidFill>
-                  <a:srgbClr val="ffffff"/>
-                </a:solidFill>
-                <a:latin typeface="Arial"/>
-              </a:rPr>
-              <a:t>t</a:t>
-            </a:r>
-            <a:endParaRPr b="0" lang="en-US" sz="3570" spc="-1" strike="noStrike">
-              <a:solidFill>
-                <a:srgbClr val="ffffff"/>
-              </a:solidFill>
+              <a:rPr b="0" lang="en-US" sz="1800" spc="-1" strike="noStrike">
+                <a:latin typeface="Arial"/>
+              </a:rPr>
+              <a:t>Click to </a:t>
+            </a:r>
+            <a:r>
+              <a:rPr b="0" lang="en-US" sz="1800" spc="-1" strike="noStrike">
+                <a:latin typeface="Arial"/>
+              </a:rPr>
+              <a:t>edit the </a:t>
+            </a:r>
+            <a:r>
+              <a:rPr b="0" lang="en-US" sz="1800" spc="-1" strike="noStrike">
+                <a:latin typeface="Arial"/>
+              </a:rPr>
+              <a:t>title text </a:t>
+            </a:r>
+            <a:r>
+              <a:rPr b="0" lang="en-US" sz="1800" spc="-1" strike="noStrike">
+                <a:latin typeface="Arial"/>
+              </a:rPr>
+              <a:t>format</a:t>
+            </a:r>
+            <a:endParaRPr b="0" lang="en-US" sz="1800" spc="-1" strike="noStrike">
               <a:latin typeface="Arial"/>
             </a:endParaRPr>
           </a:p>
@@ -1745,8 +2783,8 @@
         </p:nvSpPr>
         <p:spPr>
           <a:xfrm>
-            <a:off x="504000" y="1368000"/>
-            <a:ext cx="9072000" cy="3288240"/>
+            <a:off x="504000" y="1326600"/>
+            <a:ext cx="9072000" cy="3288600"/>
           </a:xfrm>
           <a:prstGeom prst="rect">
             <a:avLst/>
@@ -1758,9 +2796,9 @@
           </a:bodyPr>
           <a:p>
             <a:pPr marL="432000" indent="-324000">
-              <a:spcAft>
-                <a:spcPts val="1148"/>
-              </a:spcAft>
+              <a:spcBef>
+                <a:spcPts val="1417"/>
+              </a:spcBef>
               <a:buClr>
                 <a:srgbClr val="000000"/>
               </a:buClr>
@@ -1769,20 +2807,20 @@
               <a:buChar char=""/>
             </a:pPr>
             <a:r>
-              <a:rPr b="0" lang="en-US" sz="2600" spc="-1" strike="noStrike">
+              <a:rPr b="0" lang="en-US" sz="3200" spc="-1" strike="noStrike">
                 <a:latin typeface="Arial"/>
               </a:rPr>
               <a:t>Click to edit the outline text format</a:t>
             </a:r>
-            <a:endParaRPr b="0" lang="en-US" sz="2600" spc="-1" strike="noStrike">
+            <a:endParaRPr b="0" lang="en-US" sz="3200" spc="-1" strike="noStrike">
               <a:latin typeface="Arial"/>
             </a:endParaRPr>
           </a:p>
           <a:p>
             <a:pPr lvl="1" marL="864000" indent="-324000">
-              <a:spcAft>
-                <a:spcPts val="918"/>
-              </a:spcAft>
+              <a:spcBef>
+                <a:spcPts val="1134"/>
+              </a:spcBef>
               <a:buClr>
                 <a:srgbClr val="000000"/>
               </a:buClr>
@@ -1791,20 +2829,20 @@
               <a:buChar char=""/>
             </a:pPr>
             <a:r>
-              <a:rPr b="0" lang="en-US" sz="2280" spc="-1" strike="noStrike">
+              <a:rPr b="0" lang="en-US" sz="2800" spc="-1" strike="noStrike">
                 <a:latin typeface="Arial"/>
               </a:rPr>
               <a:t>Second Outline Level</a:t>
             </a:r>
-            <a:endParaRPr b="0" lang="en-US" sz="2280" spc="-1" strike="noStrike">
+            <a:endParaRPr b="0" lang="en-US" sz="2800" spc="-1" strike="noStrike">
               <a:latin typeface="Arial"/>
             </a:endParaRPr>
           </a:p>
           <a:p>
             <a:pPr lvl="2" marL="1296000" indent="-288000">
-              <a:spcAft>
-                <a:spcPts val="689"/>
-              </a:spcAft>
+              <a:spcBef>
+                <a:spcPts val="850"/>
+              </a:spcBef>
               <a:buClr>
                 <a:srgbClr val="000000"/>
               </a:buClr>
@@ -1813,20 +2851,20 @@
               <a:buChar char=""/>
             </a:pPr>
             <a:r>
-              <a:rPr b="0" lang="en-US" sz="1950" spc="-1" strike="noStrike">
+              <a:rPr b="0" lang="en-US" sz="2400" spc="-1" strike="noStrike">
                 <a:latin typeface="Arial"/>
               </a:rPr>
               <a:t>Third Outline Level</a:t>
             </a:r>
-            <a:endParaRPr b="0" lang="en-US" sz="1950" spc="-1" strike="noStrike">
+            <a:endParaRPr b="0" lang="en-US" sz="2400" spc="-1" strike="noStrike">
               <a:latin typeface="Arial"/>
             </a:endParaRPr>
           </a:p>
           <a:p>
             <a:pPr lvl="3" marL="1728000" indent="-216000">
-              <a:spcAft>
-                <a:spcPts val="459"/>
-              </a:spcAft>
+              <a:spcBef>
+                <a:spcPts val="567"/>
+              </a:spcBef>
               <a:buClr>
                 <a:srgbClr val="000000"/>
               </a:buClr>
@@ -1835,20 +2873,20 @@
               <a:buChar char=""/>
             </a:pPr>
             <a:r>
-              <a:rPr b="0" lang="en-US" sz="1629" spc="-1" strike="noStrike">
+              <a:rPr b="0" lang="en-US" sz="2000" spc="-1" strike="noStrike">
                 <a:latin typeface="Arial"/>
               </a:rPr>
               <a:t>Fourth Outline Level</a:t>
             </a:r>
-            <a:endParaRPr b="0" lang="en-US" sz="1629" spc="-1" strike="noStrike">
+            <a:endParaRPr b="0" lang="en-US" sz="2000" spc="-1" strike="noStrike">
               <a:latin typeface="Arial"/>
             </a:endParaRPr>
           </a:p>
           <a:p>
             <a:pPr lvl="4" marL="2160000" indent="-216000">
-              <a:spcAft>
-                <a:spcPts val="230"/>
-              </a:spcAft>
+              <a:spcBef>
+                <a:spcPts val="283"/>
+              </a:spcBef>
               <a:buClr>
                 <a:srgbClr val="000000"/>
               </a:buClr>
@@ -1857,20 +2895,20 @@
               <a:buChar char=""/>
             </a:pPr>
             <a:r>
-              <a:rPr b="0" lang="en-US" sz="1629" spc="-1" strike="noStrike">
+              <a:rPr b="0" lang="en-US" sz="2000" spc="-1" strike="noStrike">
                 <a:latin typeface="Arial"/>
               </a:rPr>
               <a:t>Fifth Outline Level</a:t>
             </a:r>
-            <a:endParaRPr b="0" lang="en-US" sz="1629" spc="-1" strike="noStrike">
+            <a:endParaRPr b="0" lang="en-US" sz="2000" spc="-1" strike="noStrike">
               <a:latin typeface="Arial"/>
             </a:endParaRPr>
           </a:p>
           <a:p>
             <a:pPr lvl="5" marL="2592000" indent="-216000">
-              <a:spcAft>
-                <a:spcPts val="230"/>
-              </a:spcAft>
+              <a:spcBef>
+                <a:spcPts val="283"/>
+              </a:spcBef>
               <a:buClr>
                 <a:srgbClr val="000000"/>
               </a:buClr>
@@ -1879,20 +2917,20 @@
               <a:buChar char=""/>
             </a:pPr>
             <a:r>
-              <a:rPr b="0" lang="en-US" sz="1629" spc="-1" strike="noStrike">
+              <a:rPr b="0" lang="en-US" sz="2000" spc="-1" strike="noStrike">
                 <a:latin typeface="Arial"/>
               </a:rPr>
               <a:t>Sixth Outline Level</a:t>
             </a:r>
-            <a:endParaRPr b="0" lang="en-US" sz="1629" spc="-1" strike="noStrike">
+            <a:endParaRPr b="0" lang="en-US" sz="2000" spc="-1" strike="noStrike">
               <a:latin typeface="Arial"/>
             </a:endParaRPr>
           </a:p>
           <a:p>
             <a:pPr lvl="6" marL="3024000" indent="-216000">
-              <a:spcAft>
-                <a:spcPts val="230"/>
-              </a:spcAft>
+              <a:spcBef>
+                <a:spcPts val="283"/>
+              </a:spcBef>
               <a:buClr>
                 <a:srgbClr val="000000"/>
               </a:buClr>
@@ -1901,116 +2939,12 @@
               <a:buChar char=""/>
             </a:pPr>
             <a:r>
-              <a:rPr b="0" lang="en-US" sz="1629" spc="-1" strike="noStrike">
+              <a:rPr b="0" lang="en-US" sz="2000" spc="-1" strike="noStrike">
                 <a:latin typeface="Arial"/>
               </a:rPr>
               <a:t>Seventh Outline Level</a:t>
             </a:r>
-            <a:endParaRPr b="0" lang="en-US" sz="1629" spc="-1" strike="noStrike">
-              <a:latin typeface="Arial"/>
-            </a:endParaRPr>
-          </a:p>
-        </p:txBody>
-      </p:sp>
-      <p:sp>
-        <p:nvSpPr>
-          <p:cNvPr id="3" name="PlaceHolder 3"/>
-          <p:cNvSpPr>
-            <a:spLocks noGrp="1"/>
-          </p:cNvSpPr>
-          <p:nvPr>
-            <p:ph type="dt"/>
-          </p:nvPr>
-        </p:nvSpPr>
-        <p:spPr>
-          <a:xfrm>
-            <a:off x="504000" y="5164920"/>
-            <a:ext cx="2348280" cy="390600"/>
-          </a:xfrm>
-          <a:prstGeom prst="rect">
-            <a:avLst/>
-          </a:prstGeom>
-        </p:spPr>
-        <p:txBody>
-          <a:bodyPr lIns="0" rIns="0" tIns="0" bIns="0"/>
-          <a:p>
-            <a:r>
-              <a:rPr b="0" lang="en-US" sz="1400" spc="-1" strike="noStrike">
-                <a:latin typeface="Arial"/>
-              </a:rPr>
-              <a:t>&lt;date/time&gt;</a:t>
-            </a:r>
-            <a:endParaRPr b="0" lang="en-US" sz="1400" spc="-1" strike="noStrike">
-              <a:latin typeface="Arial"/>
-            </a:endParaRPr>
-          </a:p>
-        </p:txBody>
-      </p:sp>
-      <p:sp>
-        <p:nvSpPr>
-          <p:cNvPr id="4" name="PlaceHolder 4"/>
-          <p:cNvSpPr>
-            <a:spLocks noGrp="1"/>
-          </p:cNvSpPr>
-          <p:nvPr>
-            <p:ph type="ftr"/>
-          </p:nvPr>
-        </p:nvSpPr>
-        <p:spPr>
-          <a:xfrm>
-            <a:off x="3447000" y="5164920"/>
-            <a:ext cx="3195000" cy="390600"/>
-          </a:xfrm>
-          <a:prstGeom prst="rect">
-            <a:avLst/>
-          </a:prstGeom>
-        </p:spPr>
-        <p:txBody>
-          <a:bodyPr lIns="0" rIns="0" tIns="0" bIns="0"/>
-          <a:p>
-            <a:pPr algn="ctr"/>
-            <a:r>
-              <a:rPr b="0" lang="en-US" sz="1400" spc="-1" strike="noStrike">
-                <a:latin typeface="Arial"/>
-              </a:rPr>
-              <a:t>&lt;footer&gt;</a:t>
-            </a:r>
-            <a:endParaRPr b="0" lang="en-US" sz="1400" spc="-1" strike="noStrike">
-              <a:latin typeface="Arial"/>
-            </a:endParaRPr>
-          </a:p>
-        </p:txBody>
-      </p:sp>
-      <p:sp>
-        <p:nvSpPr>
-          <p:cNvPr id="5" name="PlaceHolder 5"/>
-          <p:cNvSpPr>
-            <a:spLocks noGrp="1"/>
-          </p:cNvSpPr>
-          <p:nvPr>
-            <p:ph type="sldNum"/>
-          </p:nvPr>
-        </p:nvSpPr>
-        <p:spPr>
-          <a:xfrm>
-            <a:off x="7227000" y="5164920"/>
-            <a:ext cx="2348280" cy="390600"/>
-          </a:xfrm>
-          <a:prstGeom prst="rect">
-            <a:avLst/>
-          </a:prstGeom>
-        </p:spPr>
-        <p:txBody>
-          <a:bodyPr lIns="0" rIns="0" tIns="0" bIns="0"/>
-          <a:p>
-            <a:pPr algn="r"/>
-            <a:fld id="{527A7453-46DB-4B4A-9AE9-BE266B265096}" type="slidenum">
-              <a:rPr b="0" lang="en-US" sz="1400" spc="-1" strike="noStrike">
-                <a:latin typeface="Arial"/>
-              </a:rPr>
-              <a:t>&lt;number&gt;</a:t>
-            </a:fld>
-            <a:endParaRPr b="0" lang="en-US" sz="1400" spc="-1" strike="noStrike">
+            <a:endParaRPr b="0" lang="en-US" sz="2000" spc="-1" strike="noStrike">
               <a:latin typeface="Arial"/>
             </a:endParaRPr>
           </a:p>
@@ -2032,6 +2966,483 @@
     <p:sldLayoutId id="2147483658" r:id="rId12"/>
     <p:sldLayoutId id="2147483659" r:id="rId13"/>
     <p:sldLayoutId id="2147483660" r:id="rId14"/>
+  </p:sldLayoutIdLst>
+</p:sldMaster>
+</file>
+
+<file path=ppt/slideMasters/slideMaster2.xml><?xml version="1.0" encoding="utf-8"?>
+<p:sldMaster xmlns:a="http://schemas.openxmlformats.org/drawingml/2006/main" xmlns:p="http://schemas.openxmlformats.org/presentationml/2006/main" xmlns:r="http://schemas.openxmlformats.org/officeDocument/2006/relationships" xmlns:p14="http://schemas.microsoft.com/office/powerpoint/2010/main" xmlns:p15="http://schemas.microsoft.com/office/powerpoint/2012/main" xmlns:mc="http://schemas.openxmlformats.org/markup-compatibility/2006">
+  <p:cSld>
+    <p:spTree>
+      <p:nvGrpSpPr>
+        <p:cNvPr id="1" name=""/>
+        <p:cNvGrpSpPr/>
+        <p:nvPr/>
+      </p:nvGrpSpPr>
+      <p:grpSpPr>
+        <a:xfrm>
+          <a:off x="0" y="0"/>
+          <a:ext cx="0" cy="0"/>
+          <a:chOff x="0" y="0"/>
+          <a:chExt cx="0" cy="0"/>
+        </a:xfrm>
+      </p:grpSpPr>
+      <p:pic>
+        <p:nvPicPr>
+          <p:cNvPr id="39" name="" descr=""/>
+          <p:cNvPicPr/>
+          <p:nvPr/>
+        </p:nvPicPr>
+        <p:blipFill>
+          <a:blip r:embed="rId2"/>
+          <a:stretch/>
+        </p:blipFill>
+        <p:spPr>
+          <a:xfrm>
+            <a:off x="-58320" y="81000"/>
+            <a:ext cx="7794000" cy="1205280"/>
+          </a:xfrm>
+          <a:prstGeom prst="rect">
+            <a:avLst/>
+          </a:prstGeom>
+          <a:ln>
+            <a:noFill/>
+          </a:ln>
+        </p:spPr>
+      </p:pic>
+      <p:sp>
+        <p:nvSpPr>
+          <p:cNvPr id="40" name="PlaceHolder 1"/>
+          <p:cNvSpPr>
+            <a:spLocks noGrp="1"/>
+          </p:cNvSpPr>
+          <p:nvPr>
+            <p:ph type="title"/>
+          </p:nvPr>
+        </p:nvSpPr>
+        <p:spPr>
+          <a:xfrm>
+            <a:off x="504000" y="216000"/>
+            <a:ext cx="7019640" cy="935640"/>
+          </a:xfrm>
+          <a:prstGeom prst="rect">
+            <a:avLst/>
+          </a:prstGeom>
+        </p:spPr>
+        <p:txBody>
+          <a:bodyPr lIns="0" rIns="0" tIns="0" bIns="0" anchor="ctr"/>
+          <a:p>
+            <a:r>
+              <a:rPr b="0" lang="en-US" sz="1800" spc="-1" strike="noStrike">
+                <a:latin typeface="Arial"/>
+              </a:rPr>
+              <a:t>C</a:t>
+            </a:r>
+            <a:r>
+              <a:rPr b="0" lang="en-US" sz="1800" spc="-1" strike="noStrike">
+                <a:latin typeface="Arial"/>
+              </a:rPr>
+              <a:t>l</a:t>
+            </a:r>
+            <a:r>
+              <a:rPr b="0" lang="en-US" sz="1800" spc="-1" strike="noStrike">
+                <a:latin typeface="Arial"/>
+              </a:rPr>
+              <a:t>i</a:t>
+            </a:r>
+            <a:r>
+              <a:rPr b="0" lang="en-US" sz="1800" spc="-1" strike="noStrike">
+                <a:latin typeface="Arial"/>
+              </a:rPr>
+              <a:t>c</a:t>
+            </a:r>
+            <a:r>
+              <a:rPr b="0" lang="en-US" sz="1800" spc="-1" strike="noStrike">
+                <a:latin typeface="Arial"/>
+              </a:rPr>
+              <a:t>k</a:t>
+            </a:r>
+            <a:r>
+              <a:rPr b="0" lang="en-US" sz="1800" spc="-1" strike="noStrike">
+                <a:latin typeface="Arial"/>
+              </a:rPr>
+              <a:t> </a:t>
+            </a:r>
+            <a:r>
+              <a:rPr b="0" lang="en-US" sz="1800" spc="-1" strike="noStrike">
+                <a:latin typeface="Arial"/>
+              </a:rPr>
+              <a:t>t</a:t>
+            </a:r>
+            <a:r>
+              <a:rPr b="0" lang="en-US" sz="1800" spc="-1" strike="noStrike">
+                <a:latin typeface="Arial"/>
+              </a:rPr>
+              <a:t>o</a:t>
+            </a:r>
+            <a:r>
+              <a:rPr b="0" lang="en-US" sz="1800" spc="-1" strike="noStrike">
+                <a:latin typeface="Arial"/>
+              </a:rPr>
+              <a:t> </a:t>
+            </a:r>
+            <a:r>
+              <a:rPr b="0" lang="en-US" sz="1800" spc="-1" strike="noStrike">
+                <a:latin typeface="Arial"/>
+              </a:rPr>
+              <a:t>e</a:t>
+            </a:r>
+            <a:r>
+              <a:rPr b="0" lang="en-US" sz="1800" spc="-1" strike="noStrike">
+                <a:latin typeface="Arial"/>
+              </a:rPr>
+              <a:t>d</a:t>
+            </a:r>
+            <a:r>
+              <a:rPr b="0" lang="en-US" sz="1800" spc="-1" strike="noStrike">
+                <a:latin typeface="Arial"/>
+              </a:rPr>
+              <a:t>i</a:t>
+            </a:r>
+            <a:r>
+              <a:rPr b="0" lang="en-US" sz="1800" spc="-1" strike="noStrike">
+                <a:latin typeface="Arial"/>
+              </a:rPr>
+              <a:t>t</a:t>
+            </a:r>
+            <a:r>
+              <a:rPr b="0" lang="en-US" sz="1800" spc="-1" strike="noStrike">
+                <a:latin typeface="Arial"/>
+              </a:rPr>
+              <a:t> </a:t>
+            </a:r>
+            <a:r>
+              <a:rPr b="0" lang="en-US" sz="1800" spc="-1" strike="noStrike">
+                <a:latin typeface="Arial"/>
+              </a:rPr>
+              <a:t>t</a:t>
+            </a:r>
+            <a:r>
+              <a:rPr b="0" lang="en-US" sz="1800" spc="-1" strike="noStrike">
+                <a:latin typeface="Arial"/>
+              </a:rPr>
+              <a:t>h</a:t>
+            </a:r>
+            <a:r>
+              <a:rPr b="0" lang="en-US" sz="1800" spc="-1" strike="noStrike">
+                <a:latin typeface="Arial"/>
+              </a:rPr>
+              <a:t>e</a:t>
+            </a:r>
+            <a:r>
+              <a:rPr b="0" lang="en-US" sz="1800" spc="-1" strike="noStrike">
+                <a:latin typeface="Arial"/>
+              </a:rPr>
+              <a:t> </a:t>
+            </a:r>
+            <a:r>
+              <a:rPr b="0" lang="en-US" sz="1800" spc="-1" strike="noStrike">
+                <a:latin typeface="Arial"/>
+              </a:rPr>
+              <a:t>t</a:t>
+            </a:r>
+            <a:r>
+              <a:rPr b="0" lang="en-US" sz="1800" spc="-1" strike="noStrike">
+                <a:latin typeface="Arial"/>
+              </a:rPr>
+              <a:t>i</a:t>
+            </a:r>
+            <a:r>
+              <a:rPr b="0" lang="en-US" sz="1800" spc="-1" strike="noStrike">
+                <a:latin typeface="Arial"/>
+              </a:rPr>
+              <a:t>t</a:t>
+            </a:r>
+            <a:r>
+              <a:rPr b="0" lang="en-US" sz="1800" spc="-1" strike="noStrike">
+                <a:latin typeface="Arial"/>
+              </a:rPr>
+              <a:t>l</a:t>
+            </a:r>
+            <a:r>
+              <a:rPr b="0" lang="en-US" sz="1800" spc="-1" strike="noStrike">
+                <a:latin typeface="Arial"/>
+              </a:rPr>
+              <a:t>e</a:t>
+            </a:r>
+            <a:r>
+              <a:rPr b="0" lang="en-US" sz="1800" spc="-1" strike="noStrike">
+                <a:latin typeface="Arial"/>
+              </a:rPr>
+              <a:t> </a:t>
+            </a:r>
+            <a:r>
+              <a:rPr b="0" lang="en-US" sz="1800" spc="-1" strike="noStrike">
+                <a:latin typeface="Arial"/>
+              </a:rPr>
+              <a:t>t</a:t>
+            </a:r>
+            <a:r>
+              <a:rPr b="0" lang="en-US" sz="1800" spc="-1" strike="noStrike">
+                <a:latin typeface="Arial"/>
+              </a:rPr>
+              <a:t>e</a:t>
+            </a:r>
+            <a:r>
+              <a:rPr b="0" lang="en-US" sz="1800" spc="-1" strike="noStrike">
+                <a:latin typeface="Arial"/>
+              </a:rPr>
+              <a:t>x</a:t>
+            </a:r>
+            <a:r>
+              <a:rPr b="0" lang="en-US" sz="1800" spc="-1" strike="noStrike">
+                <a:latin typeface="Arial"/>
+              </a:rPr>
+              <a:t>t</a:t>
+            </a:r>
+            <a:r>
+              <a:rPr b="0" lang="en-US" sz="1800" spc="-1" strike="noStrike">
+                <a:latin typeface="Arial"/>
+              </a:rPr>
+              <a:t> </a:t>
+            </a:r>
+            <a:r>
+              <a:rPr b="0" lang="en-US" sz="1800" spc="-1" strike="noStrike">
+                <a:latin typeface="Arial"/>
+              </a:rPr>
+              <a:t>f</a:t>
+            </a:r>
+            <a:r>
+              <a:rPr b="0" lang="en-US" sz="1800" spc="-1" strike="noStrike">
+                <a:latin typeface="Arial"/>
+              </a:rPr>
+              <a:t>o</a:t>
+            </a:r>
+            <a:r>
+              <a:rPr b="0" lang="en-US" sz="1800" spc="-1" strike="noStrike">
+                <a:latin typeface="Arial"/>
+              </a:rPr>
+              <a:t>r</a:t>
+            </a:r>
+            <a:r>
+              <a:rPr b="0" lang="en-US" sz="1800" spc="-1" strike="noStrike">
+                <a:latin typeface="Arial"/>
+              </a:rPr>
+              <a:t>m</a:t>
+            </a:r>
+            <a:r>
+              <a:rPr b="0" lang="en-US" sz="1800" spc="-1" strike="noStrike">
+                <a:latin typeface="Arial"/>
+              </a:rPr>
+              <a:t>a</a:t>
+            </a:r>
+            <a:r>
+              <a:rPr b="0" lang="en-US" sz="1800" spc="-1" strike="noStrike">
+                <a:latin typeface="Arial"/>
+              </a:rPr>
+              <a:t>t</a:t>
+            </a:r>
+            <a:endParaRPr b="0" lang="en-US" sz="1800" spc="-1" strike="noStrike">
+              <a:latin typeface="Arial"/>
+            </a:endParaRPr>
+          </a:p>
+        </p:txBody>
+      </p:sp>
+      <p:sp>
+        <p:nvSpPr>
+          <p:cNvPr id="41" name="PlaceHolder 2"/>
+          <p:cNvSpPr>
+            <a:spLocks noGrp="1"/>
+          </p:cNvSpPr>
+          <p:nvPr>
+            <p:ph type="body"/>
+          </p:nvPr>
+        </p:nvSpPr>
+        <p:spPr>
+          <a:xfrm>
+            <a:off x="504000" y="1368000"/>
+            <a:ext cx="9071640" cy="3287880"/>
+          </a:xfrm>
+          <a:prstGeom prst="rect">
+            <a:avLst/>
+          </a:prstGeom>
+        </p:spPr>
+        <p:txBody>
+          <a:bodyPr lIns="0" rIns="0" tIns="0" bIns="0">
+            <a:normAutofit/>
+          </a:bodyPr>
+          <a:p>
+            <a:pPr marL="432000" indent="-324000">
+              <a:spcBef>
+                <a:spcPts val="1417"/>
+              </a:spcBef>
+              <a:buClr>
+                <a:srgbClr val="000000"/>
+              </a:buClr>
+              <a:buSzPct val="45000"/>
+              <a:buFont typeface="Wingdings" charset="2"/>
+              <a:buChar char=""/>
+            </a:pPr>
+            <a:r>
+              <a:rPr b="0" lang="en-US" sz="1800" spc="-1" strike="noStrike">
+                <a:latin typeface="Arial"/>
+              </a:rPr>
+              <a:t>Click to edit the outline text format</a:t>
+            </a:r>
+            <a:endParaRPr b="0" lang="en-US" sz="1800" spc="-1" strike="noStrike">
+              <a:latin typeface="Arial"/>
+            </a:endParaRPr>
+          </a:p>
+          <a:p>
+            <a:pPr lvl="1" marL="864000" indent="-324000">
+              <a:spcBef>
+                <a:spcPts val="1134"/>
+              </a:spcBef>
+              <a:buClr>
+                <a:srgbClr val="000000"/>
+              </a:buClr>
+              <a:buSzPct val="75000"/>
+              <a:buFont typeface="Symbol" charset="2"/>
+              <a:buChar char=""/>
+            </a:pPr>
+            <a:r>
+              <a:rPr b="0" lang="en-US" sz="1800" spc="-1" strike="noStrike">
+                <a:latin typeface="Arial"/>
+              </a:rPr>
+              <a:t>Second Outline Level</a:t>
+            </a:r>
+            <a:endParaRPr b="0" lang="en-US" sz="1800" spc="-1" strike="noStrike">
+              <a:latin typeface="Arial"/>
+            </a:endParaRPr>
+          </a:p>
+          <a:p>
+            <a:pPr lvl="2" marL="1296000" indent="-288000">
+              <a:spcBef>
+                <a:spcPts val="850"/>
+              </a:spcBef>
+              <a:buClr>
+                <a:srgbClr val="000000"/>
+              </a:buClr>
+              <a:buSzPct val="45000"/>
+              <a:buFont typeface="Wingdings" charset="2"/>
+              <a:buChar char=""/>
+            </a:pPr>
+            <a:r>
+              <a:rPr b="0" lang="en-US" sz="1800" spc="-1" strike="noStrike">
+                <a:latin typeface="Arial"/>
+              </a:rPr>
+              <a:t>Third Outline Level</a:t>
+            </a:r>
+            <a:endParaRPr b="0" lang="en-US" sz="1800" spc="-1" strike="noStrike">
+              <a:latin typeface="Arial"/>
+            </a:endParaRPr>
+          </a:p>
+          <a:p>
+            <a:pPr lvl="3" marL="1728000" indent="-216000">
+              <a:spcBef>
+                <a:spcPts val="567"/>
+              </a:spcBef>
+              <a:buClr>
+                <a:srgbClr val="000000"/>
+              </a:buClr>
+              <a:buSzPct val="75000"/>
+              <a:buFont typeface="Symbol" charset="2"/>
+              <a:buChar char=""/>
+            </a:pPr>
+            <a:r>
+              <a:rPr b="0" lang="en-US" sz="1800" spc="-1" strike="noStrike">
+                <a:latin typeface="Arial"/>
+              </a:rPr>
+              <a:t>Fourth Outline Level</a:t>
+            </a:r>
+            <a:endParaRPr b="0" lang="en-US" sz="1800" spc="-1" strike="noStrike">
+              <a:latin typeface="Arial"/>
+            </a:endParaRPr>
+          </a:p>
+          <a:p>
+            <a:pPr lvl="4" marL="2160000" indent="-216000">
+              <a:spcBef>
+                <a:spcPts val="283"/>
+              </a:spcBef>
+              <a:buClr>
+                <a:srgbClr val="000000"/>
+              </a:buClr>
+              <a:buSzPct val="45000"/>
+              <a:buFont typeface="Wingdings" charset="2"/>
+              <a:buChar char=""/>
+            </a:pPr>
+            <a:r>
+              <a:rPr b="0" lang="en-US" sz="1800" spc="-1" strike="noStrike">
+                <a:latin typeface="Arial"/>
+              </a:rPr>
+              <a:t>Fifth Outline Level</a:t>
+            </a:r>
+            <a:endParaRPr b="0" lang="en-US" sz="1800" spc="-1" strike="noStrike">
+              <a:latin typeface="Arial"/>
+            </a:endParaRPr>
+          </a:p>
+          <a:p>
+            <a:pPr lvl="5" marL="2592000" indent="-216000">
+              <a:spcBef>
+                <a:spcPts val="283"/>
+              </a:spcBef>
+              <a:buClr>
+                <a:srgbClr val="000000"/>
+              </a:buClr>
+              <a:buSzPct val="45000"/>
+              <a:buFont typeface="Wingdings" charset="2"/>
+              <a:buChar char=""/>
+            </a:pPr>
+            <a:r>
+              <a:rPr b="0" lang="en-US" sz="1800" spc="-1" strike="noStrike">
+                <a:latin typeface="Arial"/>
+              </a:rPr>
+              <a:t>Sixth Outline Level</a:t>
+            </a:r>
+            <a:endParaRPr b="0" lang="en-US" sz="1800" spc="-1" strike="noStrike">
+              <a:latin typeface="Arial"/>
+            </a:endParaRPr>
+          </a:p>
+          <a:p>
+            <a:pPr lvl="6" marL="3024000" indent="-216000">
+              <a:spcBef>
+                <a:spcPts val="283"/>
+              </a:spcBef>
+              <a:buClr>
+                <a:srgbClr val="000000"/>
+              </a:buClr>
+              <a:buSzPct val="45000"/>
+              <a:buFont typeface="Wingdings" charset="2"/>
+              <a:buChar char=""/>
+            </a:pPr>
+            <a:r>
+              <a:rPr b="0" lang="en-US" sz="1800" spc="-1" strike="noStrike">
+                <a:latin typeface="Arial"/>
+              </a:rPr>
+              <a:t>Seventh Outline Level</a:t>
+            </a:r>
+            <a:endParaRPr b="0" lang="en-US" sz="1800" spc="-1" strike="noStrike">
+              <a:latin typeface="Arial"/>
+            </a:endParaRPr>
+          </a:p>
+        </p:txBody>
+      </p:sp>
+    </p:spTree>
+  </p:cSld>
+  <p:clrMap bg1="lt1" bg2="lt2" tx1="dk1" tx2="dk2" accent1="accent1" accent2="accent2" accent3="accent3" accent4="accent4" accent5="accent5" accent6="accent6" hlink="hlink" folHlink="folHlink"/>
+  <p:sldLayoutIdLst>
+    <p:sldLayoutId id="2147483662" r:id="rId3"/>
+    <p:sldLayoutId id="2147483663" r:id="rId4"/>
+    <p:sldLayoutId id="2147483664" r:id="rId5"/>
+    <p:sldLayoutId id="2147483665" r:id="rId6"/>
+    <p:sldLayoutId id="2147483666" r:id="rId7"/>
+    <p:sldLayoutId id="2147483667" r:id="rId8"/>
+    <p:sldLayoutId id="2147483668" r:id="rId9"/>
+    <p:sldLayoutId id="2147483669" r:id="rId10"/>
+    <p:sldLayoutId id="2147483670" r:id="rId11"/>
+    <p:sldLayoutId id="2147483671" r:id="rId12"/>
+    <p:sldLayoutId id="2147483672" r:id="rId13"/>
+    <p:sldLayoutId id="2147483673" r:id="rId14"/>
   </p:sldLayoutIdLst>
 </p:sldMaster>
 </file>
@@ -2055,14 +3466,14 @@
       </p:grpSpPr>
       <p:sp>
         <p:nvSpPr>
-          <p:cNvPr id="42" name="TextShape 1"/>
-          <p:cNvSpPr txBox="1"/>
+          <p:cNvPr id="78" name="CustomShape 1"/>
+          <p:cNvSpPr/>
           <p:nvPr/>
         </p:nvSpPr>
         <p:spPr>
           <a:xfrm>
             <a:off x="504000" y="216000"/>
-            <a:ext cx="7020000" cy="936000"/>
+            <a:ext cx="7019640" cy="935640"/>
           </a:xfrm>
           <a:prstGeom prst="rect">
             <a:avLst/>
@@ -2072,9 +3483,20 @@
             <a:noFill/>
           </a:ln>
         </p:spPr>
+        <p:style>
+          <a:lnRef idx="0"/>
+          <a:fillRef idx="0"/>
+          <a:effectRef idx="0"/>
+          <a:fontRef idx="minor"/>
+        </p:style>
         <p:txBody>
           <a:bodyPr lIns="0" rIns="0" tIns="0" bIns="0" anchor="ctr"/>
           <a:p>
+            <a:pPr>
+              <a:lnSpc>
+                <a:spcPct val="100000"/>
+              </a:lnSpc>
+            </a:pPr>
             <a:r>
               <a:rPr b="0" lang="en-US" sz="3570" spc="-1" strike="noStrike">
                 <a:solidFill>
@@ -2085,596 +3507,600 @@
               <a:t>Lainotik View</a:t>
             </a:r>
             <a:endParaRPr b="0" lang="en-US" sz="3570" spc="-1" strike="noStrike">
-              <a:solidFill>
-                <a:srgbClr val="ffffff"/>
-              </a:solidFill>
-              <a:latin typeface="Arial"/>
-            </a:endParaRPr>
-          </a:p>
-        </p:txBody>
-      </p:sp>
-      <p:grpSp>
-        <p:nvGrpSpPr>
-          <p:cNvPr id="43" name="Group 2"/>
-          <p:cNvGrpSpPr/>
+              <a:latin typeface="Arial"/>
+            </a:endParaRPr>
+          </a:p>
+        </p:txBody>
+      </p:sp>
+      <p:pic>
+        <p:nvPicPr>
+          <p:cNvPr id="79" name="" descr=""/>
+          <p:cNvPicPr/>
           <p:nvPr/>
-        </p:nvGrpSpPr>
-        <p:grpSpPr>
-          <a:xfrm>
-            <a:off x="2543760" y="1563840"/>
-            <a:ext cx="4605120" cy="3494520"/>
-            <a:chOff x="2543760" y="1563840"/>
-            <a:chExt cx="4605120" cy="3494520"/>
-          </a:xfrm>
-        </p:grpSpPr>
-        <p:pic>
-          <p:nvPicPr>
-            <p:cNvPr id="44" name="" descr=""/>
-            <p:cNvPicPr/>
-            <p:nvPr/>
-          </p:nvPicPr>
-          <p:blipFill>
-            <a:blip r:embed="rId1"/>
-            <a:stretch/>
-          </p:blipFill>
-          <p:spPr>
-            <a:xfrm>
-              <a:off x="4333680" y="1563840"/>
-              <a:ext cx="1188720" cy="743040"/>
-            </a:xfrm>
-            <a:prstGeom prst="rect">
-              <a:avLst/>
-            </a:prstGeom>
-            <a:ln>
-              <a:noFill/>
-            </a:ln>
-          </p:spPr>
-        </p:pic>
-        <p:pic>
-          <p:nvPicPr>
-            <p:cNvPr id="45" name="" descr=""/>
-            <p:cNvPicPr/>
-            <p:nvPr/>
-          </p:nvPicPr>
-          <p:blipFill>
-            <a:blip r:embed="rId2"/>
-            <a:stretch/>
-          </p:blipFill>
-          <p:spPr>
-            <a:xfrm>
-              <a:off x="4536000" y="2346480"/>
-              <a:ext cx="258480" cy="251280"/>
-            </a:xfrm>
-            <a:prstGeom prst="rect">
-              <a:avLst/>
-            </a:prstGeom>
-            <a:ln>
-              <a:noFill/>
-            </a:ln>
-          </p:spPr>
-        </p:pic>
-        <p:pic>
-          <p:nvPicPr>
-            <p:cNvPr id="46" name="" descr=""/>
-            <p:cNvPicPr/>
-            <p:nvPr/>
-          </p:nvPicPr>
-          <p:blipFill>
-            <a:blip r:embed="rId3"/>
-            <a:stretch/>
-          </p:blipFill>
-          <p:spPr>
-            <a:xfrm>
-              <a:off x="4438800" y="2932560"/>
-              <a:ext cx="864720" cy="635040"/>
-            </a:xfrm>
-            <a:prstGeom prst="rect">
-              <a:avLst/>
-            </a:prstGeom>
-            <a:ln>
-              <a:noFill/>
-            </a:ln>
-          </p:spPr>
-        </p:pic>
-        <p:sp>
-          <p:nvSpPr>
-            <p:cNvPr id="47" name="Line 3"/>
-            <p:cNvSpPr/>
-            <p:nvPr/>
-          </p:nvSpPr>
-          <p:spPr>
-            <a:xfrm>
-              <a:off x="4114800" y="3293280"/>
-              <a:ext cx="274320" cy="0"/>
-            </a:xfrm>
-            <a:prstGeom prst="line">
-              <a:avLst/>
-            </a:prstGeom>
-            <a:ln>
-              <a:solidFill>
-                <a:srgbClr val="000000"/>
-              </a:solidFill>
-            </a:ln>
-          </p:spPr>
-          <p:style>
-            <a:lnRef idx="0"/>
-            <a:fillRef idx="0"/>
-            <a:effectRef idx="0"/>
-            <a:fontRef idx="minor"/>
-          </p:style>
-        </p:sp>
-        <p:sp>
-          <p:nvSpPr>
-            <p:cNvPr id="48" name="Line 4"/>
-            <p:cNvSpPr/>
-            <p:nvPr/>
-          </p:nvSpPr>
-          <p:spPr>
-            <a:xfrm flipV="1">
-              <a:off x="4937760" y="2653200"/>
-              <a:ext cx="0" cy="279360"/>
-            </a:xfrm>
-            <a:prstGeom prst="line">
-              <a:avLst/>
-            </a:prstGeom>
-            <a:ln>
-              <a:solidFill>
-                <a:srgbClr val="000000"/>
-              </a:solidFill>
-            </a:ln>
-          </p:spPr>
-          <p:style>
-            <a:lnRef idx="0"/>
-            <a:fillRef idx="0"/>
-            <a:effectRef idx="0"/>
-            <a:fontRef idx="minor"/>
-          </p:style>
-        </p:sp>
-        <p:sp>
-          <p:nvSpPr>
-            <p:cNvPr id="49" name="Line 5"/>
-            <p:cNvSpPr/>
-            <p:nvPr/>
-          </p:nvSpPr>
-          <p:spPr>
-            <a:xfrm>
-              <a:off x="5394960" y="3293280"/>
-              <a:ext cx="274320" cy="0"/>
-            </a:xfrm>
-            <a:prstGeom prst="line">
-              <a:avLst/>
-            </a:prstGeom>
-            <a:ln>
-              <a:solidFill>
-                <a:srgbClr val="000000"/>
-              </a:solidFill>
-            </a:ln>
-          </p:spPr>
-          <p:style>
-            <a:lnRef idx="0"/>
-            <a:fillRef idx="0"/>
-            <a:effectRef idx="0"/>
-            <a:fontRef idx="minor"/>
-          </p:style>
-        </p:sp>
-        <p:sp>
-          <p:nvSpPr>
-            <p:cNvPr id="50" name="Line 6"/>
-            <p:cNvSpPr/>
-            <p:nvPr/>
-          </p:nvSpPr>
-          <p:spPr>
-            <a:xfrm>
-              <a:off x="4937760" y="3659040"/>
-              <a:ext cx="0" cy="274320"/>
-            </a:xfrm>
-            <a:prstGeom prst="line">
-              <a:avLst/>
-            </a:prstGeom>
-            <a:ln>
-              <a:solidFill>
-                <a:srgbClr val="000000"/>
-              </a:solidFill>
-            </a:ln>
-          </p:spPr>
-          <p:style>
-            <a:lnRef idx="0"/>
-            <a:fillRef idx="0"/>
-            <a:effectRef idx="0"/>
-            <a:fontRef idx="minor"/>
-          </p:style>
-        </p:sp>
-        <p:sp>
-          <p:nvSpPr>
-            <p:cNvPr id="51" name="TextShape 7"/>
-            <p:cNvSpPr txBox="1"/>
-            <p:nvPr/>
-          </p:nvSpPr>
-          <p:spPr>
-            <a:xfrm>
-              <a:off x="4429440" y="3110400"/>
-              <a:ext cx="842040" cy="302040"/>
-            </a:xfrm>
-            <a:prstGeom prst="rect">
-              <a:avLst/>
-            </a:prstGeom>
+        </p:nvPicPr>
+        <p:blipFill>
+          <a:blip r:embed="rId1"/>
+          <a:stretch/>
+        </p:blipFill>
+        <p:spPr>
+          <a:xfrm>
+            <a:off x="4333680" y="1563840"/>
+            <a:ext cx="1188360" cy="742680"/>
+          </a:xfrm>
+          <a:prstGeom prst="rect">
+            <a:avLst/>
+          </a:prstGeom>
+          <a:ln>
             <a:noFill/>
-            <a:ln>
-              <a:noFill/>
-            </a:ln>
-          </p:spPr>
-          <p:txBody>
-            <a:bodyPr lIns="90000" rIns="90000" tIns="45000" bIns="45000"/>
-            <a:p>
-              <a:r>
-                <a:rPr b="0" lang="en-US" sz="1500" spc="-1" strike="noStrike">
-                  <a:latin typeface="Arial"/>
-                </a:rPr>
-                <a:t>Lainotik</a:t>
-              </a:r>
-              <a:endParaRPr b="0" lang="en-US" sz="1500" spc="-1" strike="noStrike">
-                <a:latin typeface="Arial"/>
-              </a:endParaRPr>
-            </a:p>
-          </p:txBody>
-        </p:sp>
-        <p:pic>
-          <p:nvPicPr>
-            <p:cNvPr id="52" name="" descr=""/>
-            <p:cNvPicPr/>
-            <p:nvPr/>
-          </p:nvPicPr>
-          <p:blipFill>
-            <a:blip r:embed="rId4"/>
-            <a:stretch/>
-          </p:blipFill>
-          <p:spPr>
-            <a:xfrm>
-              <a:off x="4810320" y="2346480"/>
-              <a:ext cx="258480" cy="251280"/>
-            </a:xfrm>
-            <a:prstGeom prst="rect">
-              <a:avLst/>
-            </a:prstGeom>
-            <a:ln>
-              <a:noFill/>
-            </a:ln>
-          </p:spPr>
-        </p:pic>
-        <p:pic>
-          <p:nvPicPr>
-            <p:cNvPr id="53" name="" descr=""/>
-            <p:cNvPicPr/>
-            <p:nvPr/>
-          </p:nvPicPr>
-          <p:blipFill>
-            <a:blip r:embed="rId5"/>
-            <a:stretch/>
-          </p:blipFill>
-          <p:spPr>
-            <a:xfrm>
-              <a:off x="5084640" y="2346480"/>
-              <a:ext cx="258480" cy="251280"/>
-            </a:xfrm>
-            <a:prstGeom prst="rect">
-              <a:avLst/>
-            </a:prstGeom>
-            <a:ln>
-              <a:noFill/>
-            </a:ln>
-          </p:spPr>
-        </p:pic>
-        <p:pic>
-          <p:nvPicPr>
-            <p:cNvPr id="54" name="" descr=""/>
-            <p:cNvPicPr/>
-            <p:nvPr/>
-          </p:nvPicPr>
-          <p:blipFill>
-            <a:blip r:embed="rId6"/>
-            <a:stretch/>
-          </p:blipFill>
-          <p:spPr>
-            <a:xfrm>
-              <a:off x="5760720" y="2927520"/>
-              <a:ext cx="258480" cy="251280"/>
-            </a:xfrm>
-            <a:prstGeom prst="rect">
-              <a:avLst/>
-            </a:prstGeom>
-            <a:ln>
-              <a:noFill/>
-            </a:ln>
-          </p:spPr>
-        </p:pic>
-        <p:pic>
-          <p:nvPicPr>
-            <p:cNvPr id="55" name="" descr=""/>
-            <p:cNvPicPr/>
-            <p:nvPr/>
-          </p:nvPicPr>
-          <p:blipFill>
-            <a:blip r:embed="rId7"/>
-            <a:stretch/>
-          </p:blipFill>
-          <p:spPr>
-            <a:xfrm>
-              <a:off x="5760720" y="3178800"/>
-              <a:ext cx="258480" cy="251280"/>
-            </a:xfrm>
-            <a:prstGeom prst="rect">
-              <a:avLst/>
-            </a:prstGeom>
-            <a:ln>
-              <a:noFill/>
-            </a:ln>
-          </p:spPr>
-        </p:pic>
-        <p:pic>
-          <p:nvPicPr>
-            <p:cNvPr id="56" name="" descr=""/>
-            <p:cNvPicPr/>
-            <p:nvPr/>
-          </p:nvPicPr>
-          <p:blipFill>
-            <a:blip r:embed="rId8"/>
-            <a:stretch/>
-          </p:blipFill>
-          <p:spPr>
-            <a:xfrm>
-              <a:off x="5760720" y="3430080"/>
-              <a:ext cx="258480" cy="251280"/>
-            </a:xfrm>
-            <a:prstGeom prst="rect">
-              <a:avLst/>
-            </a:prstGeom>
-            <a:ln>
-              <a:noFill/>
-            </a:ln>
-          </p:spPr>
-        </p:pic>
-        <p:pic>
-          <p:nvPicPr>
-            <p:cNvPr id="57" name="" descr=""/>
-            <p:cNvPicPr/>
-            <p:nvPr/>
-          </p:nvPicPr>
-          <p:blipFill>
-            <a:blip r:embed="rId9"/>
-            <a:stretch/>
-          </p:blipFill>
-          <p:spPr>
-            <a:xfrm>
-              <a:off x="3764880" y="2905200"/>
-              <a:ext cx="258480" cy="251280"/>
-            </a:xfrm>
-            <a:prstGeom prst="rect">
-              <a:avLst/>
-            </a:prstGeom>
-            <a:ln>
-              <a:noFill/>
-            </a:ln>
-          </p:spPr>
-        </p:pic>
-        <p:pic>
-          <p:nvPicPr>
-            <p:cNvPr id="58" name="" descr=""/>
-            <p:cNvPicPr/>
-            <p:nvPr/>
-          </p:nvPicPr>
-          <p:blipFill>
-            <a:blip r:embed="rId10"/>
-            <a:stretch/>
-          </p:blipFill>
-          <p:spPr>
-            <a:xfrm>
-              <a:off x="3764880" y="3156480"/>
-              <a:ext cx="258480" cy="251280"/>
-            </a:xfrm>
-            <a:prstGeom prst="rect">
-              <a:avLst/>
-            </a:prstGeom>
-            <a:ln>
-              <a:noFill/>
-            </a:ln>
-          </p:spPr>
-        </p:pic>
-        <p:pic>
-          <p:nvPicPr>
-            <p:cNvPr id="59" name="" descr=""/>
-            <p:cNvPicPr/>
-            <p:nvPr/>
-          </p:nvPicPr>
-          <p:blipFill>
-            <a:blip r:embed="rId11"/>
-            <a:stretch/>
-          </p:blipFill>
-          <p:spPr>
-            <a:xfrm>
-              <a:off x="3764880" y="3407760"/>
-              <a:ext cx="258480" cy="251280"/>
-            </a:xfrm>
-            <a:prstGeom prst="rect">
-              <a:avLst/>
-            </a:prstGeom>
-            <a:ln>
-              <a:noFill/>
-            </a:ln>
-          </p:spPr>
-        </p:pic>
-        <p:pic>
-          <p:nvPicPr>
-            <p:cNvPr id="60" name="" descr=""/>
-            <p:cNvPicPr/>
-            <p:nvPr/>
-          </p:nvPicPr>
-          <p:blipFill>
-            <a:blip r:embed="rId12"/>
-            <a:stretch/>
-          </p:blipFill>
-          <p:spPr>
-            <a:xfrm>
-              <a:off x="4536000" y="3988800"/>
-              <a:ext cx="258480" cy="251280"/>
-            </a:xfrm>
-            <a:prstGeom prst="rect">
-              <a:avLst/>
-            </a:prstGeom>
-            <a:ln>
-              <a:noFill/>
-            </a:ln>
-          </p:spPr>
-        </p:pic>
-        <p:pic>
-          <p:nvPicPr>
-            <p:cNvPr id="61" name="" descr=""/>
-            <p:cNvPicPr/>
-            <p:nvPr/>
-          </p:nvPicPr>
-          <p:blipFill>
-            <a:blip r:embed="rId13"/>
-            <a:stretch/>
-          </p:blipFill>
-          <p:spPr>
-            <a:xfrm>
-              <a:off x="4810320" y="3988800"/>
-              <a:ext cx="258480" cy="251280"/>
-            </a:xfrm>
-            <a:prstGeom prst="rect">
-              <a:avLst/>
-            </a:prstGeom>
-            <a:ln>
-              <a:noFill/>
-            </a:ln>
-          </p:spPr>
-        </p:pic>
-        <p:pic>
-          <p:nvPicPr>
-            <p:cNvPr id="62" name="" descr=""/>
-            <p:cNvPicPr/>
-            <p:nvPr/>
-          </p:nvPicPr>
-          <p:blipFill>
-            <a:blip r:embed="rId14"/>
-            <a:stretch/>
-          </p:blipFill>
-          <p:spPr>
-            <a:xfrm>
-              <a:off x="5084640" y="3988800"/>
-              <a:ext cx="258480" cy="251280"/>
-            </a:xfrm>
-            <a:prstGeom prst="rect">
-              <a:avLst/>
-            </a:prstGeom>
-            <a:ln>
-              <a:noFill/>
-            </a:ln>
-          </p:spPr>
-        </p:pic>
-        <p:pic>
-          <p:nvPicPr>
-            <p:cNvPr id="63" name="" descr=""/>
-            <p:cNvPicPr/>
-            <p:nvPr/>
-          </p:nvPicPr>
-          <p:blipFill>
-            <a:blip r:embed="rId15"/>
-            <a:stretch/>
-          </p:blipFill>
-          <p:spPr>
-            <a:xfrm>
-              <a:off x="6154560" y="2963520"/>
-              <a:ext cx="994320" cy="604080"/>
-            </a:xfrm>
-            <a:prstGeom prst="rect">
-              <a:avLst/>
-            </a:prstGeom>
-            <a:ln>
-              <a:noFill/>
-            </a:ln>
-          </p:spPr>
-        </p:pic>
-        <p:pic>
-          <p:nvPicPr>
-            <p:cNvPr id="64" name="" descr=""/>
-            <p:cNvPicPr/>
-            <p:nvPr/>
-          </p:nvPicPr>
-          <p:blipFill>
-            <a:blip r:embed="rId16"/>
-            <a:stretch/>
-          </p:blipFill>
-          <p:spPr>
-            <a:xfrm>
-              <a:off x="2543760" y="2891520"/>
-              <a:ext cx="1224720" cy="756720"/>
-            </a:xfrm>
-            <a:prstGeom prst="rect">
-              <a:avLst/>
-            </a:prstGeom>
-            <a:ln>
-              <a:noFill/>
-            </a:ln>
-          </p:spPr>
-        </p:pic>
-        <p:pic>
-          <p:nvPicPr>
-            <p:cNvPr id="65" name="" descr=""/>
-            <p:cNvPicPr/>
-            <p:nvPr/>
-          </p:nvPicPr>
-          <p:blipFill>
-            <a:blip r:embed="rId17"/>
-            <a:stretch/>
-          </p:blipFill>
-          <p:spPr>
-            <a:xfrm>
-              <a:off x="4444560" y="4299120"/>
-              <a:ext cx="977400" cy="581040"/>
-            </a:xfrm>
-            <a:prstGeom prst="rect">
-              <a:avLst/>
-            </a:prstGeom>
-            <a:ln>
-              <a:noFill/>
-            </a:ln>
-          </p:spPr>
-        </p:pic>
-        <p:sp>
-          <p:nvSpPr>
-            <p:cNvPr id="66" name="TextShape 8"/>
-            <p:cNvSpPr txBox="1"/>
-            <p:nvPr/>
-          </p:nvSpPr>
-          <p:spPr>
-            <a:xfrm>
-              <a:off x="4114800" y="4756320"/>
-              <a:ext cx="1756440" cy="302040"/>
-            </a:xfrm>
-            <a:prstGeom prst="rect">
-              <a:avLst/>
-            </a:prstGeom>
+          </a:ln>
+        </p:spPr>
+      </p:pic>
+      <p:pic>
+        <p:nvPicPr>
+          <p:cNvPr id="80" name="" descr=""/>
+          <p:cNvPicPr/>
+          <p:nvPr/>
+        </p:nvPicPr>
+        <p:blipFill>
+          <a:blip r:embed="rId2"/>
+          <a:stretch/>
+        </p:blipFill>
+        <p:spPr>
+          <a:xfrm>
+            <a:off x="4536000" y="2346480"/>
+            <a:ext cx="258120" cy="250920"/>
+          </a:xfrm>
+          <a:prstGeom prst="rect">
+            <a:avLst/>
+          </a:prstGeom>
+          <a:ln>
             <a:noFill/>
-            <a:ln>
-              <a:noFill/>
-            </a:ln>
-          </p:spPr>
-          <p:txBody>
-            <a:bodyPr lIns="90000" rIns="90000" tIns="45000" bIns="45000"/>
-            <a:p>
-              <a:r>
-                <a:rPr b="0" lang="en-US" sz="1500" spc="-1" strike="noStrike">
-                  <a:latin typeface="Arial"/>
-                </a:rPr>
-                <a:t>Own Infrastructure</a:t>
-              </a:r>
-              <a:endParaRPr b="0" lang="en-US" sz="1500" spc="-1" strike="noStrike">
-                <a:latin typeface="Arial"/>
-              </a:endParaRPr>
-            </a:p>
-          </p:txBody>
-        </p:sp>
-      </p:grpSp>
+          </a:ln>
+        </p:spPr>
+      </p:pic>
+      <p:pic>
+        <p:nvPicPr>
+          <p:cNvPr id="81" name="" descr=""/>
+          <p:cNvPicPr/>
+          <p:nvPr/>
+        </p:nvPicPr>
+        <p:blipFill>
+          <a:blip r:embed="rId3"/>
+          <a:stretch/>
+        </p:blipFill>
+        <p:spPr>
+          <a:xfrm>
+            <a:off x="4438800" y="2932560"/>
+            <a:ext cx="864360" cy="634680"/>
+          </a:xfrm>
+          <a:prstGeom prst="rect">
+            <a:avLst/>
+          </a:prstGeom>
+          <a:ln>
+            <a:noFill/>
+          </a:ln>
+        </p:spPr>
+      </p:pic>
+      <p:sp>
+        <p:nvSpPr>
+          <p:cNvPr id="82" name="Line 2"/>
+          <p:cNvSpPr/>
+          <p:nvPr/>
+        </p:nvSpPr>
+        <p:spPr>
+          <a:xfrm>
+            <a:off x="4114800" y="3293280"/>
+            <a:ext cx="274320" cy="360"/>
+          </a:xfrm>
+          <a:prstGeom prst="line">
+            <a:avLst/>
+          </a:prstGeom>
+          <a:ln>
+            <a:solidFill>
+              <a:srgbClr val="000000"/>
+            </a:solidFill>
+          </a:ln>
+        </p:spPr>
+        <p:style>
+          <a:lnRef idx="0"/>
+          <a:fillRef idx="0"/>
+          <a:effectRef idx="0"/>
+          <a:fontRef idx="minor"/>
+        </p:style>
+      </p:sp>
+      <p:sp>
+        <p:nvSpPr>
+          <p:cNvPr id="83" name="Line 3"/>
+          <p:cNvSpPr/>
+          <p:nvPr/>
+        </p:nvSpPr>
+        <p:spPr>
+          <a:xfrm flipV="1">
+            <a:off x="4937760" y="2653200"/>
+            <a:ext cx="360" cy="279360"/>
+          </a:xfrm>
+          <a:prstGeom prst="line">
+            <a:avLst/>
+          </a:prstGeom>
+          <a:ln>
+            <a:solidFill>
+              <a:srgbClr val="000000"/>
+            </a:solidFill>
+          </a:ln>
+        </p:spPr>
+        <p:style>
+          <a:lnRef idx="0"/>
+          <a:fillRef idx="0"/>
+          <a:effectRef idx="0"/>
+          <a:fontRef idx="minor"/>
+        </p:style>
+      </p:sp>
+      <p:sp>
+        <p:nvSpPr>
+          <p:cNvPr id="84" name="Line 4"/>
+          <p:cNvSpPr/>
+          <p:nvPr/>
+        </p:nvSpPr>
+        <p:spPr>
+          <a:xfrm>
+            <a:off x="5394960" y="3293280"/>
+            <a:ext cx="274320" cy="360"/>
+          </a:xfrm>
+          <a:prstGeom prst="line">
+            <a:avLst/>
+          </a:prstGeom>
+          <a:ln>
+            <a:solidFill>
+              <a:srgbClr val="000000"/>
+            </a:solidFill>
+          </a:ln>
+        </p:spPr>
+        <p:style>
+          <a:lnRef idx="0"/>
+          <a:fillRef idx="0"/>
+          <a:effectRef idx="0"/>
+          <a:fontRef idx="minor"/>
+        </p:style>
+      </p:sp>
+      <p:sp>
+        <p:nvSpPr>
+          <p:cNvPr id="85" name="Line 5"/>
+          <p:cNvSpPr/>
+          <p:nvPr/>
+        </p:nvSpPr>
+        <p:spPr>
+          <a:xfrm>
+            <a:off x="4937760" y="3659040"/>
+            <a:ext cx="360" cy="274320"/>
+          </a:xfrm>
+          <a:prstGeom prst="line">
+            <a:avLst/>
+          </a:prstGeom>
+          <a:ln>
+            <a:solidFill>
+              <a:srgbClr val="000000"/>
+            </a:solidFill>
+          </a:ln>
+        </p:spPr>
+        <p:style>
+          <a:lnRef idx="0"/>
+          <a:fillRef idx="0"/>
+          <a:effectRef idx="0"/>
+          <a:fontRef idx="minor"/>
+        </p:style>
+      </p:sp>
+      <p:sp>
+        <p:nvSpPr>
+          <p:cNvPr id="86" name="CustomShape 6"/>
+          <p:cNvSpPr/>
+          <p:nvPr/>
+        </p:nvSpPr>
+        <p:spPr>
+          <a:xfrm>
+            <a:off x="4429440" y="3110400"/>
+            <a:ext cx="841680" cy="301680"/>
+          </a:xfrm>
+          <a:prstGeom prst="rect">
+            <a:avLst/>
+          </a:prstGeom>
+          <a:noFill/>
+          <a:ln>
+            <a:noFill/>
+          </a:ln>
+        </p:spPr>
+        <p:style>
+          <a:lnRef idx="0"/>
+          <a:fillRef idx="0"/>
+          <a:effectRef idx="0"/>
+          <a:fontRef idx="minor"/>
+        </p:style>
+        <p:txBody>
+          <a:bodyPr lIns="90000" rIns="90000" tIns="45000" bIns="45000"/>
+          <a:p>
+            <a:pPr>
+              <a:lnSpc>
+                <a:spcPct val="100000"/>
+              </a:lnSpc>
+            </a:pPr>
+            <a:r>
+              <a:rPr b="0" lang="en-US" sz="1500" spc="-1" strike="noStrike">
+                <a:latin typeface="Arial"/>
+              </a:rPr>
+              <a:t>Lainotik</a:t>
+            </a:r>
+            <a:endParaRPr b="0" lang="en-US" sz="1500" spc="-1" strike="noStrike">
+              <a:latin typeface="Arial"/>
+            </a:endParaRPr>
+          </a:p>
+        </p:txBody>
+      </p:sp>
+      <p:pic>
+        <p:nvPicPr>
+          <p:cNvPr id="87" name="" descr=""/>
+          <p:cNvPicPr/>
+          <p:nvPr/>
+        </p:nvPicPr>
+        <p:blipFill>
+          <a:blip r:embed="rId4"/>
+          <a:stretch/>
+        </p:blipFill>
+        <p:spPr>
+          <a:xfrm>
+            <a:off x="4810320" y="2346480"/>
+            <a:ext cx="258120" cy="250920"/>
+          </a:xfrm>
+          <a:prstGeom prst="rect">
+            <a:avLst/>
+          </a:prstGeom>
+          <a:ln>
+            <a:noFill/>
+          </a:ln>
+        </p:spPr>
+      </p:pic>
+      <p:pic>
+        <p:nvPicPr>
+          <p:cNvPr id="88" name="" descr=""/>
+          <p:cNvPicPr/>
+          <p:nvPr/>
+        </p:nvPicPr>
+        <p:blipFill>
+          <a:blip r:embed="rId5"/>
+          <a:stretch/>
+        </p:blipFill>
+        <p:spPr>
+          <a:xfrm>
+            <a:off x="5084640" y="2346480"/>
+            <a:ext cx="258120" cy="250920"/>
+          </a:xfrm>
+          <a:prstGeom prst="rect">
+            <a:avLst/>
+          </a:prstGeom>
+          <a:ln>
+            <a:noFill/>
+          </a:ln>
+        </p:spPr>
+      </p:pic>
+      <p:pic>
+        <p:nvPicPr>
+          <p:cNvPr id="89" name="" descr=""/>
+          <p:cNvPicPr/>
+          <p:nvPr/>
+        </p:nvPicPr>
+        <p:blipFill>
+          <a:blip r:embed="rId6"/>
+          <a:stretch/>
+        </p:blipFill>
+        <p:spPr>
+          <a:xfrm>
+            <a:off x="5760720" y="2927520"/>
+            <a:ext cx="258120" cy="250920"/>
+          </a:xfrm>
+          <a:prstGeom prst="rect">
+            <a:avLst/>
+          </a:prstGeom>
+          <a:ln>
+            <a:noFill/>
+          </a:ln>
+        </p:spPr>
+      </p:pic>
+      <p:pic>
+        <p:nvPicPr>
+          <p:cNvPr id="90" name="" descr=""/>
+          <p:cNvPicPr/>
+          <p:nvPr/>
+        </p:nvPicPr>
+        <p:blipFill>
+          <a:blip r:embed="rId7"/>
+          <a:stretch/>
+        </p:blipFill>
+        <p:spPr>
+          <a:xfrm>
+            <a:off x="5760720" y="3178800"/>
+            <a:ext cx="258120" cy="250920"/>
+          </a:xfrm>
+          <a:prstGeom prst="rect">
+            <a:avLst/>
+          </a:prstGeom>
+          <a:ln>
+            <a:noFill/>
+          </a:ln>
+        </p:spPr>
+      </p:pic>
+      <p:pic>
+        <p:nvPicPr>
+          <p:cNvPr id="91" name="" descr=""/>
+          <p:cNvPicPr/>
+          <p:nvPr/>
+        </p:nvPicPr>
+        <p:blipFill>
+          <a:blip r:embed="rId8"/>
+          <a:stretch/>
+        </p:blipFill>
+        <p:spPr>
+          <a:xfrm>
+            <a:off x="5760720" y="3430080"/>
+            <a:ext cx="258120" cy="250920"/>
+          </a:xfrm>
+          <a:prstGeom prst="rect">
+            <a:avLst/>
+          </a:prstGeom>
+          <a:ln>
+            <a:noFill/>
+          </a:ln>
+        </p:spPr>
+      </p:pic>
+      <p:pic>
+        <p:nvPicPr>
+          <p:cNvPr id="92" name="" descr=""/>
+          <p:cNvPicPr/>
+          <p:nvPr/>
+        </p:nvPicPr>
+        <p:blipFill>
+          <a:blip r:embed="rId9"/>
+          <a:stretch/>
+        </p:blipFill>
+        <p:spPr>
+          <a:xfrm>
+            <a:off x="3764880" y="2905200"/>
+            <a:ext cx="258120" cy="250920"/>
+          </a:xfrm>
+          <a:prstGeom prst="rect">
+            <a:avLst/>
+          </a:prstGeom>
+          <a:ln>
+            <a:noFill/>
+          </a:ln>
+        </p:spPr>
+      </p:pic>
+      <p:pic>
+        <p:nvPicPr>
+          <p:cNvPr id="93" name="" descr=""/>
+          <p:cNvPicPr/>
+          <p:nvPr/>
+        </p:nvPicPr>
+        <p:blipFill>
+          <a:blip r:embed="rId10"/>
+          <a:stretch/>
+        </p:blipFill>
+        <p:spPr>
+          <a:xfrm>
+            <a:off x="3764880" y="3156480"/>
+            <a:ext cx="258120" cy="250920"/>
+          </a:xfrm>
+          <a:prstGeom prst="rect">
+            <a:avLst/>
+          </a:prstGeom>
+          <a:ln>
+            <a:noFill/>
+          </a:ln>
+        </p:spPr>
+      </p:pic>
+      <p:pic>
+        <p:nvPicPr>
+          <p:cNvPr id="94" name="" descr=""/>
+          <p:cNvPicPr/>
+          <p:nvPr/>
+        </p:nvPicPr>
+        <p:blipFill>
+          <a:blip r:embed="rId11"/>
+          <a:stretch/>
+        </p:blipFill>
+        <p:spPr>
+          <a:xfrm>
+            <a:off x="3764880" y="3407760"/>
+            <a:ext cx="258120" cy="250920"/>
+          </a:xfrm>
+          <a:prstGeom prst="rect">
+            <a:avLst/>
+          </a:prstGeom>
+          <a:ln>
+            <a:noFill/>
+          </a:ln>
+        </p:spPr>
+      </p:pic>
+      <p:pic>
+        <p:nvPicPr>
+          <p:cNvPr id="95" name="" descr=""/>
+          <p:cNvPicPr/>
+          <p:nvPr/>
+        </p:nvPicPr>
+        <p:blipFill>
+          <a:blip r:embed="rId12"/>
+          <a:stretch/>
+        </p:blipFill>
+        <p:spPr>
+          <a:xfrm>
+            <a:off x="4536000" y="3988800"/>
+            <a:ext cx="258120" cy="250920"/>
+          </a:xfrm>
+          <a:prstGeom prst="rect">
+            <a:avLst/>
+          </a:prstGeom>
+          <a:ln>
+            <a:noFill/>
+          </a:ln>
+        </p:spPr>
+      </p:pic>
+      <p:pic>
+        <p:nvPicPr>
+          <p:cNvPr id="96" name="" descr=""/>
+          <p:cNvPicPr/>
+          <p:nvPr/>
+        </p:nvPicPr>
+        <p:blipFill>
+          <a:blip r:embed="rId13"/>
+          <a:stretch/>
+        </p:blipFill>
+        <p:spPr>
+          <a:xfrm>
+            <a:off x="4810320" y="3988800"/>
+            <a:ext cx="258120" cy="250920"/>
+          </a:xfrm>
+          <a:prstGeom prst="rect">
+            <a:avLst/>
+          </a:prstGeom>
+          <a:ln>
+            <a:noFill/>
+          </a:ln>
+        </p:spPr>
+      </p:pic>
+      <p:pic>
+        <p:nvPicPr>
+          <p:cNvPr id="97" name="" descr=""/>
+          <p:cNvPicPr/>
+          <p:nvPr/>
+        </p:nvPicPr>
+        <p:blipFill>
+          <a:blip r:embed="rId14"/>
+          <a:stretch/>
+        </p:blipFill>
+        <p:spPr>
+          <a:xfrm>
+            <a:off x="5084640" y="3988800"/>
+            <a:ext cx="258120" cy="250920"/>
+          </a:xfrm>
+          <a:prstGeom prst="rect">
+            <a:avLst/>
+          </a:prstGeom>
+          <a:ln>
+            <a:noFill/>
+          </a:ln>
+        </p:spPr>
+      </p:pic>
+      <p:pic>
+        <p:nvPicPr>
+          <p:cNvPr id="98" name="" descr=""/>
+          <p:cNvPicPr/>
+          <p:nvPr/>
+        </p:nvPicPr>
+        <p:blipFill>
+          <a:blip r:embed="rId15"/>
+          <a:stretch/>
+        </p:blipFill>
+        <p:spPr>
+          <a:xfrm>
+            <a:off x="6154560" y="2963520"/>
+            <a:ext cx="993960" cy="603720"/>
+          </a:xfrm>
+          <a:prstGeom prst="rect">
+            <a:avLst/>
+          </a:prstGeom>
+          <a:ln>
+            <a:noFill/>
+          </a:ln>
+        </p:spPr>
+      </p:pic>
+      <p:pic>
+        <p:nvPicPr>
+          <p:cNvPr id="99" name="" descr=""/>
+          <p:cNvPicPr/>
+          <p:nvPr/>
+        </p:nvPicPr>
+        <p:blipFill>
+          <a:blip r:embed="rId16"/>
+          <a:stretch/>
+        </p:blipFill>
+        <p:spPr>
+          <a:xfrm>
+            <a:off x="2543760" y="2891520"/>
+            <a:ext cx="1224360" cy="756360"/>
+          </a:xfrm>
+          <a:prstGeom prst="rect">
+            <a:avLst/>
+          </a:prstGeom>
+          <a:ln>
+            <a:noFill/>
+          </a:ln>
+        </p:spPr>
+      </p:pic>
+      <p:pic>
+        <p:nvPicPr>
+          <p:cNvPr id="100" name="" descr=""/>
+          <p:cNvPicPr/>
+          <p:nvPr/>
+        </p:nvPicPr>
+        <p:blipFill>
+          <a:blip r:embed="rId17"/>
+          <a:stretch/>
+        </p:blipFill>
+        <p:spPr>
+          <a:xfrm>
+            <a:off x="4444560" y="4299120"/>
+            <a:ext cx="977040" cy="580680"/>
+          </a:xfrm>
+          <a:prstGeom prst="rect">
+            <a:avLst/>
+          </a:prstGeom>
+          <a:ln>
+            <a:noFill/>
+          </a:ln>
+        </p:spPr>
+      </p:pic>
+      <p:sp>
+        <p:nvSpPr>
+          <p:cNvPr id="101" name="CustomShape 7"/>
+          <p:cNvSpPr/>
+          <p:nvPr/>
+        </p:nvSpPr>
+        <p:spPr>
+          <a:xfrm>
+            <a:off x="4114800" y="4756320"/>
+            <a:ext cx="1756080" cy="301680"/>
+          </a:xfrm>
+          <a:prstGeom prst="rect">
+            <a:avLst/>
+          </a:prstGeom>
+          <a:noFill/>
+          <a:ln>
+            <a:noFill/>
+          </a:ln>
+        </p:spPr>
+        <p:style>
+          <a:lnRef idx="0"/>
+          <a:fillRef idx="0"/>
+          <a:effectRef idx="0"/>
+          <a:fontRef idx="minor"/>
+        </p:style>
+        <p:txBody>
+          <a:bodyPr lIns="90000" rIns="90000" tIns="45000" bIns="45000"/>
+          <a:p>
+            <a:pPr>
+              <a:lnSpc>
+                <a:spcPct val="100000"/>
+              </a:lnSpc>
+            </a:pPr>
+            <a:r>
+              <a:rPr b="0" lang="en-US" sz="1500" spc="-1" strike="noStrike">
+                <a:latin typeface="Arial"/>
+              </a:rPr>
+              <a:t>Own Infrastructure</a:t>
+            </a:r>
+            <a:endParaRPr b="0" lang="en-US" sz="1500" spc="-1" strike="noStrike">
+              <a:latin typeface="Arial"/>
+            </a:endParaRPr>
+          </a:p>
+        </p:txBody>
+      </p:sp>
     </p:spTree>
   </p:cSld>
   <p:timing>
@@ -2726,14 +4152,14 @@
       </p:grpSpPr>
       <p:sp>
         <p:nvSpPr>
-          <p:cNvPr id="67" name="TextShape 1"/>
-          <p:cNvSpPr txBox="1"/>
+          <p:cNvPr id="102" name="CustomShape 1"/>
+          <p:cNvSpPr/>
           <p:nvPr/>
         </p:nvSpPr>
         <p:spPr>
           <a:xfrm>
             <a:off x="504000" y="216000"/>
-            <a:ext cx="7020000" cy="936000"/>
+            <a:ext cx="7019640" cy="935640"/>
           </a:xfrm>
           <a:prstGeom prst="rect">
             <a:avLst/>
@@ -2743,9 +4169,20 @@
             <a:noFill/>
           </a:ln>
         </p:spPr>
+        <p:style>
+          <a:lnRef idx="0"/>
+          <a:fillRef idx="0"/>
+          <a:effectRef idx="0"/>
+          <a:fontRef idx="minor"/>
+        </p:style>
         <p:txBody>
           <a:bodyPr lIns="0" rIns="0" tIns="0" bIns="0" anchor="ctr"/>
           <a:p>
+            <a:pPr>
+              <a:lnSpc>
+                <a:spcPct val="100000"/>
+              </a:lnSpc>
+            </a:pPr>
             <a:r>
               <a:rPr b="0" lang="en-US" sz="3570" spc="-1" strike="noStrike">
                 <a:solidFill>
@@ -2756,9 +4193,6 @@
               <a:t>Lainotik Bigdata Services</a:t>
             </a:r>
             <a:endParaRPr b="0" lang="en-US" sz="3570" spc="-1" strike="noStrike">
-              <a:solidFill>
-                <a:srgbClr val="ffffff"/>
-              </a:solidFill>
               <a:latin typeface="Arial"/>
             </a:endParaRPr>
           </a:p>
@@ -2766,21 +4200,21 @@
       </p:sp>
       <p:grpSp>
         <p:nvGrpSpPr>
-          <p:cNvPr id="68" name="Group 2"/>
+          <p:cNvPr id="103" name="Group 2"/>
           <p:cNvGrpSpPr/>
           <p:nvPr/>
         </p:nvGrpSpPr>
         <p:grpSpPr>
           <a:xfrm>
-            <a:off x="2834640" y="1828800"/>
-            <a:ext cx="4137480" cy="2562120"/>
-            <a:chOff x="2834640" y="1828800"/>
-            <a:chExt cx="4137480" cy="2562120"/>
+            <a:off x="2690640" y="2377440"/>
+            <a:ext cx="4065120" cy="2103120"/>
+            <a:chOff x="2690640" y="2377440"/>
+            <a:chExt cx="4065120" cy="2103120"/>
           </a:xfrm>
         </p:grpSpPr>
         <p:pic>
           <p:nvPicPr>
-            <p:cNvPr id="69" name="" descr=""/>
+            <p:cNvPr id="104" name="" descr=""/>
             <p:cNvPicPr/>
             <p:nvPr/>
           </p:nvPicPr>
@@ -2790,8 +4224,8 @@
           </p:blipFill>
           <p:spPr>
             <a:xfrm>
-              <a:off x="5540760" y="2379240"/>
-              <a:ext cx="731520" cy="380880"/>
+              <a:off x="5396760" y="2392560"/>
+              <a:ext cx="731160" cy="380520"/>
             </a:xfrm>
             <a:prstGeom prst="rect">
               <a:avLst/>
@@ -2803,7 +4237,7 @@
         </p:pic>
         <p:pic>
           <p:nvPicPr>
-            <p:cNvPr id="70" name="" descr=""/>
+            <p:cNvPr id="105" name="" descr=""/>
             <p:cNvPicPr/>
             <p:nvPr/>
           </p:nvPicPr>
@@ -2813,8 +4247,8 @@
           </p:blipFill>
           <p:spPr>
             <a:xfrm>
-              <a:off x="2834640" y="2412720"/>
-              <a:ext cx="937080" cy="317160"/>
+              <a:off x="2690640" y="2426040"/>
+              <a:ext cx="936720" cy="316800"/>
             </a:xfrm>
             <a:prstGeom prst="rect">
               <a:avLst/>
@@ -2826,7 +4260,7 @@
         </p:pic>
         <p:pic>
           <p:nvPicPr>
-            <p:cNvPr id="71" name="" descr=""/>
+            <p:cNvPr id="106" name="" descr=""/>
             <p:cNvPicPr/>
             <p:nvPr/>
           </p:nvPicPr>
@@ -2836,8 +4270,8 @@
           </p:blipFill>
           <p:spPr>
             <a:xfrm>
-              <a:off x="3954600" y="2364120"/>
-              <a:ext cx="676440" cy="365760"/>
+              <a:off x="3882600" y="2377440"/>
+              <a:ext cx="676080" cy="365400"/>
             </a:xfrm>
             <a:prstGeom prst="rect">
               <a:avLst/>
@@ -2849,7 +4283,7 @@
         </p:pic>
         <p:pic>
           <p:nvPicPr>
-            <p:cNvPr id="72" name="" descr=""/>
+            <p:cNvPr id="107" name="" descr=""/>
             <p:cNvPicPr/>
             <p:nvPr/>
           </p:nvPicPr>
@@ -2859,8 +4293,8 @@
           </p:blipFill>
           <p:spPr>
             <a:xfrm>
-              <a:off x="4869000" y="2364120"/>
-              <a:ext cx="406440" cy="365760"/>
+              <a:off x="4725000" y="2377440"/>
+              <a:ext cx="406080" cy="365400"/>
             </a:xfrm>
             <a:prstGeom prst="rect">
               <a:avLst/>
@@ -2872,7 +4306,7 @@
         </p:pic>
         <p:pic>
           <p:nvPicPr>
-            <p:cNvPr id="73" name="" descr=""/>
+            <p:cNvPr id="108" name="" descr=""/>
             <p:cNvPicPr/>
             <p:nvPr/>
           </p:nvPicPr>
@@ -2882,8 +4316,8 @@
           </p:blipFill>
           <p:spPr>
             <a:xfrm>
-              <a:off x="6555960" y="2419560"/>
-              <a:ext cx="416160" cy="325440"/>
+              <a:off x="6339960" y="2432880"/>
+              <a:ext cx="415800" cy="325080"/>
             </a:xfrm>
             <a:prstGeom prst="rect">
               <a:avLst/>
@@ -2895,7 +4329,7 @@
         </p:pic>
         <p:pic>
           <p:nvPicPr>
-            <p:cNvPr id="74" name="" descr=""/>
+            <p:cNvPr id="109" name="" descr=""/>
             <p:cNvPicPr/>
             <p:nvPr/>
           </p:nvPicPr>
@@ -2905,8 +4339,8 @@
           </p:blipFill>
           <p:spPr>
             <a:xfrm>
-              <a:off x="3040200" y="2880360"/>
-              <a:ext cx="672120" cy="413280"/>
+              <a:off x="3040200" y="2893680"/>
+              <a:ext cx="671760" cy="412920"/>
             </a:xfrm>
             <a:prstGeom prst="rect">
               <a:avLst/>
@@ -2918,7 +4352,7 @@
         </p:pic>
         <p:pic>
           <p:nvPicPr>
-            <p:cNvPr id="75" name="" descr=""/>
+            <p:cNvPr id="110" name="" descr=""/>
             <p:cNvPicPr/>
             <p:nvPr/>
           </p:nvPicPr>
@@ -2928,8 +4362,8 @@
           </p:blipFill>
           <p:spPr>
             <a:xfrm>
-              <a:off x="3863160" y="2883240"/>
-              <a:ext cx="1037520" cy="362880"/>
+              <a:off x="3863160" y="2896560"/>
+              <a:ext cx="1037160" cy="362520"/>
             </a:xfrm>
             <a:prstGeom prst="rect">
               <a:avLst/>
@@ -2941,7 +4375,7 @@
         </p:pic>
         <p:pic>
           <p:nvPicPr>
-            <p:cNvPr id="76" name="" descr=""/>
+            <p:cNvPr id="111" name="" descr=""/>
             <p:cNvPicPr/>
             <p:nvPr/>
           </p:nvPicPr>
@@ -2951,8 +4385,8 @@
           </p:blipFill>
           <p:spPr>
             <a:xfrm>
-              <a:off x="5089320" y="2880360"/>
-              <a:ext cx="785520" cy="365760"/>
+              <a:off x="5089320" y="2893680"/>
+              <a:ext cx="785160" cy="365400"/>
             </a:xfrm>
             <a:prstGeom prst="rect">
               <a:avLst/>
@@ -2964,7 +4398,7 @@
         </p:pic>
         <p:pic>
           <p:nvPicPr>
-            <p:cNvPr id="77" name="" descr=""/>
+            <p:cNvPr id="112" name="" descr=""/>
             <p:cNvPicPr/>
             <p:nvPr/>
           </p:nvPicPr>
@@ -2974,8 +4408,8 @@
           </p:blipFill>
           <p:spPr>
             <a:xfrm>
-              <a:off x="6008400" y="2880360"/>
-              <a:ext cx="323640" cy="323640"/>
+              <a:off x="6008400" y="2893680"/>
+              <a:ext cx="323280" cy="323280"/>
             </a:xfrm>
             <a:prstGeom prst="rect">
               <a:avLst/>
@@ -2987,7 +4421,7 @@
         </p:pic>
         <p:pic>
           <p:nvPicPr>
-            <p:cNvPr id="78" name="" descr=""/>
+            <p:cNvPr id="113" name="" descr=""/>
             <p:cNvPicPr/>
             <p:nvPr/>
           </p:nvPicPr>
@@ -2997,8 +4431,8 @@
           </p:blipFill>
           <p:spPr>
             <a:xfrm>
-              <a:off x="4933440" y="1828800"/>
-              <a:ext cx="395640" cy="403560"/>
+              <a:off x="2948760" y="3434400"/>
+              <a:ext cx="343440" cy="398160"/>
             </a:xfrm>
             <a:prstGeom prst="rect">
               <a:avLst/>
@@ -3010,7 +4444,7 @@
         </p:pic>
         <p:pic>
           <p:nvPicPr>
-            <p:cNvPr id="79" name="" descr=""/>
+            <p:cNvPr id="114" name="" descr=""/>
             <p:cNvPicPr/>
             <p:nvPr/>
           </p:nvPicPr>
@@ -3020,8 +4454,8 @@
           </p:blipFill>
           <p:spPr>
             <a:xfrm>
-              <a:off x="3938040" y="1828800"/>
-              <a:ext cx="658800" cy="403560"/>
+              <a:off x="3588840" y="3467160"/>
+              <a:ext cx="365400" cy="365400"/>
             </a:xfrm>
             <a:prstGeom prst="rect">
               <a:avLst/>
@@ -3033,7 +4467,7 @@
         </p:pic>
         <p:pic>
           <p:nvPicPr>
-            <p:cNvPr id="80" name="" descr=""/>
+            <p:cNvPr id="115" name="" descr=""/>
             <p:cNvPicPr/>
             <p:nvPr/>
           </p:nvPicPr>
@@ -3043,8 +4477,8 @@
           </p:blipFill>
           <p:spPr>
             <a:xfrm>
-              <a:off x="2948760" y="3421080"/>
-              <a:ext cx="343800" cy="398520"/>
+              <a:off x="4146840" y="3457440"/>
+              <a:ext cx="630360" cy="339120"/>
             </a:xfrm>
             <a:prstGeom prst="rect">
               <a:avLst/>
@@ -3056,7 +4490,7 @@
         </p:pic>
         <p:pic>
           <p:nvPicPr>
-            <p:cNvPr id="81" name="" descr=""/>
+            <p:cNvPr id="116" name="" descr=""/>
             <p:cNvPicPr/>
             <p:nvPr/>
           </p:nvPicPr>
@@ -3066,8 +4500,8 @@
           </p:blipFill>
           <p:spPr>
             <a:xfrm>
-              <a:off x="3588840" y="3453840"/>
-              <a:ext cx="365760" cy="365760"/>
+              <a:off x="5691960" y="3440880"/>
+              <a:ext cx="853200" cy="456840"/>
             </a:xfrm>
             <a:prstGeom prst="rect">
               <a:avLst/>
@@ -3079,7 +4513,7 @@
         </p:pic>
         <p:pic>
           <p:nvPicPr>
-            <p:cNvPr id="82" name="" descr=""/>
+            <p:cNvPr id="117" name="" descr=""/>
             <p:cNvPicPr/>
             <p:nvPr/>
           </p:nvPicPr>
@@ -3089,8 +4523,8 @@
           </p:blipFill>
           <p:spPr>
             <a:xfrm>
-              <a:off x="4146840" y="3444120"/>
-              <a:ext cx="630720" cy="339480"/>
+              <a:off x="4960440" y="3496320"/>
+              <a:ext cx="650880" cy="325080"/>
             </a:xfrm>
             <a:prstGeom prst="rect">
               <a:avLst/>
@@ -3102,7 +4536,7 @@
         </p:pic>
         <p:pic>
           <p:nvPicPr>
-            <p:cNvPr id="83" name="" descr=""/>
+            <p:cNvPr id="118" name="" descr=""/>
             <p:cNvPicPr/>
             <p:nvPr/>
           </p:nvPicPr>
@@ -3112,8 +4546,8 @@
           </p:blipFill>
           <p:spPr>
             <a:xfrm>
-              <a:off x="5691960" y="3427560"/>
-              <a:ext cx="853560" cy="457200"/>
+              <a:off x="3931920" y="4008600"/>
+              <a:ext cx="471960" cy="471960"/>
             </a:xfrm>
             <a:prstGeom prst="rect">
               <a:avLst/>
@@ -3125,7 +4559,7 @@
         </p:pic>
         <p:pic>
           <p:nvPicPr>
-            <p:cNvPr id="84" name="" descr=""/>
+            <p:cNvPr id="119" name="" descr=""/>
             <p:cNvPicPr/>
             <p:nvPr/>
           </p:nvPicPr>
@@ -3135,54 +4569,8 @@
           </p:blipFill>
           <p:spPr>
             <a:xfrm>
-              <a:off x="4960440" y="3483000"/>
-              <a:ext cx="651240" cy="325440"/>
-            </a:xfrm>
-            <a:prstGeom prst="rect">
-              <a:avLst/>
-            </a:prstGeom>
-            <a:ln>
-              <a:noFill/>
-            </a:ln>
-          </p:spPr>
-        </p:pic>
-        <p:pic>
-          <p:nvPicPr>
-            <p:cNvPr id="85" name="" descr=""/>
-            <p:cNvPicPr/>
-            <p:nvPr/>
-          </p:nvPicPr>
-          <p:blipFill>
-            <a:blip r:embed="rId17"/>
-            <a:stretch/>
-          </p:blipFill>
-          <p:spPr>
-            <a:xfrm>
-              <a:off x="4046040" y="3884400"/>
-              <a:ext cx="506520" cy="506520"/>
-            </a:xfrm>
-            <a:prstGeom prst="rect">
-              <a:avLst/>
-            </a:prstGeom>
-            <a:ln>
-              <a:noFill/>
-            </a:ln>
-          </p:spPr>
-        </p:pic>
-        <p:pic>
-          <p:nvPicPr>
-            <p:cNvPr id="86" name="" descr=""/>
-            <p:cNvPicPr/>
-            <p:nvPr/>
-          </p:nvPicPr>
-          <p:blipFill>
-            <a:blip r:embed="rId18"/>
-            <a:stretch/>
-          </p:blipFill>
-          <p:spPr>
-            <a:xfrm>
-              <a:off x="4896720" y="3930480"/>
-              <a:ext cx="612360" cy="460440"/>
+              <a:off x="4706280" y="4008600"/>
+              <a:ext cx="612000" cy="460080"/>
             </a:xfrm>
             <a:prstGeom prst="rect">
               <a:avLst/>
@@ -3202,6 +4590,187 @@
           <p:childTnLst>
             <p:seq>
               <p:cTn id="4" dur="indefinite" nodeType="mainSeq"/>
+              <p:prevCondLst>
+                <p:cond delay="0" evt="onPrev">
+                  <p:tgtEl>
+                    <p:sldTgt/>
+                  </p:tgtEl>
+                </p:cond>
+              </p:prevCondLst>
+              <p:nextCondLst>
+                <p:cond delay="0" evt="onNext">
+                  <p:tgtEl>
+                    <p:sldTgt/>
+                  </p:tgtEl>
+                </p:cond>
+              </p:nextCondLst>
+            </p:seq>
+          </p:childTnLst>
+        </p:cTn>
+      </p:par>
+    </p:tnLst>
+  </p:timing>
+</p:sld>
+</file>
+
+<file path=ppt/slides/slide3.xml><?xml version="1.0" encoding="utf-8"?>
+<p:sld xmlns:a="http://schemas.openxmlformats.org/drawingml/2006/main" xmlns:p="http://schemas.openxmlformats.org/presentationml/2006/main" xmlns:r="http://schemas.openxmlformats.org/officeDocument/2006/relationships" xmlns:p14="http://schemas.microsoft.com/office/powerpoint/2010/main" xmlns:p15="http://schemas.microsoft.com/office/powerpoint/2012/main" xmlns:mc="http://schemas.openxmlformats.org/markup-compatibility/2006">
+  <p:cSld>
+    <p:spTree>
+      <p:nvGrpSpPr>
+        <p:cNvPr id="1" name=""/>
+        <p:cNvGrpSpPr/>
+        <p:nvPr/>
+      </p:nvGrpSpPr>
+      <p:grpSpPr>
+        <a:xfrm>
+          <a:off x="0" y="0"/>
+          <a:ext cx="0" cy="0"/>
+          <a:chOff x="0" y="0"/>
+          <a:chExt cx="0" cy="0"/>
+        </a:xfrm>
+      </p:grpSpPr>
+      <p:sp>
+        <p:nvSpPr>
+          <p:cNvPr id="120" name="CustomShape 1"/>
+          <p:cNvSpPr/>
+          <p:nvPr/>
+        </p:nvSpPr>
+        <p:spPr>
+          <a:xfrm>
+            <a:off x="504000" y="216000"/>
+            <a:ext cx="7019640" cy="935640"/>
+          </a:xfrm>
+          <a:prstGeom prst="rect">
+            <a:avLst/>
+          </a:prstGeom>
+          <a:noFill/>
+          <a:ln>
+            <a:noFill/>
+          </a:ln>
+        </p:spPr>
+        <p:style>
+          <a:lnRef idx="0"/>
+          <a:fillRef idx="0"/>
+          <a:effectRef idx="0"/>
+          <a:fontRef idx="minor"/>
+        </p:style>
+        <p:txBody>
+          <a:bodyPr lIns="0" rIns="0" tIns="0" bIns="0" anchor="ctr"/>
+          <a:p>
+            <a:pPr>
+              <a:lnSpc>
+                <a:spcPct val="100000"/>
+              </a:lnSpc>
+            </a:pPr>
+            <a:r>
+              <a:rPr b="0" lang="en-US" sz="3570" spc="-1" strike="noStrike">
+                <a:solidFill>
+                  <a:srgbClr val="ffffff"/>
+                </a:solidFill>
+                <a:latin typeface="Arial"/>
+              </a:rPr>
+              <a:t>Lainotik Monitoring</a:t>
+            </a:r>
+            <a:endParaRPr b="0" lang="en-US" sz="3570" spc="-1" strike="noStrike">
+              <a:latin typeface="Arial"/>
+            </a:endParaRPr>
+          </a:p>
+        </p:txBody>
+      </p:sp>
+      <p:grpSp>
+        <p:nvGrpSpPr>
+          <p:cNvPr id="121" name="Group 2"/>
+          <p:cNvGrpSpPr/>
+          <p:nvPr/>
+        </p:nvGrpSpPr>
+        <p:grpSpPr>
+          <a:xfrm>
+            <a:off x="2724840" y="2632320"/>
+            <a:ext cx="3218760" cy="1025280"/>
+            <a:chOff x="2724840" y="2632320"/>
+            <a:chExt cx="3218760" cy="1025280"/>
+          </a:xfrm>
+        </p:grpSpPr>
+        <p:pic>
+          <p:nvPicPr>
+            <p:cNvPr id="122" name="" descr=""/>
+            <p:cNvPicPr/>
+            <p:nvPr/>
+          </p:nvPicPr>
+          <p:blipFill>
+            <a:blip r:embed="rId1"/>
+            <a:stretch/>
+          </p:blipFill>
+          <p:spPr>
+            <a:xfrm>
+              <a:off x="4937760" y="2632320"/>
+              <a:ext cx="1005840" cy="1005840"/>
+            </a:xfrm>
+            <a:prstGeom prst="rect">
+              <a:avLst/>
+            </a:prstGeom>
+            <a:ln>
+              <a:noFill/>
+            </a:ln>
+          </p:spPr>
+        </p:pic>
+        <p:pic>
+          <p:nvPicPr>
+            <p:cNvPr id="123" name="" descr=""/>
+            <p:cNvPicPr/>
+            <p:nvPr/>
+          </p:nvPicPr>
+          <p:blipFill>
+            <a:blip r:embed="rId2"/>
+            <a:stretch/>
+          </p:blipFill>
+          <p:spPr>
+            <a:xfrm>
+              <a:off x="2724840" y="2651760"/>
+              <a:ext cx="1642680" cy="1005840"/>
+            </a:xfrm>
+            <a:prstGeom prst="rect">
+              <a:avLst/>
+            </a:prstGeom>
+            <a:ln>
+              <a:noFill/>
+            </a:ln>
+          </p:spPr>
+        </p:pic>
+        <p:pic>
+          <p:nvPicPr>
+            <p:cNvPr id="124" name="" descr=""/>
+            <p:cNvPicPr/>
+            <p:nvPr/>
+          </p:nvPicPr>
+          <p:blipFill>
+            <a:blip r:embed="rId3"/>
+            <a:stretch/>
+          </p:blipFill>
+          <p:spPr>
+            <a:xfrm>
+              <a:off x="4331520" y="2860560"/>
+              <a:ext cx="349560" cy="339840"/>
+            </a:xfrm>
+            <a:prstGeom prst="rect">
+              <a:avLst/>
+            </a:prstGeom>
+            <a:ln>
+              <a:noFill/>
+            </a:ln>
+          </p:spPr>
+        </p:pic>
+      </p:grpSp>
+    </p:spTree>
+  </p:cSld>
+  <p:timing>
+    <p:tnLst>
+      <p:par>
+        <p:cTn id="5" dur="indefinite" restart="never" nodeType="tmRoot">
+          <p:childTnLst>
+            <p:seq>
+              <p:cTn id="6" dur="indefinite" nodeType="mainSeq"/>
               <p:prevCondLst>
                 <p:cond delay="0" evt="onPrev">
                   <p:tgtEl>
@@ -3446,4 +5015,227 @@
     </a:fmtScheme>
   </a:themeElements>
 </a:theme>
+</file>
+
+<file path=ppt/theme/theme2.xml><?xml version="1.0" encoding="utf-8"?>
+<a:theme xmlns:a="http://schemas.openxmlformats.org/drawingml/2006/main" name="Office Theme">
+  <a:themeElements>
+    <a:clrScheme name="Office">
+      <a:dk1>
+        <a:sysClr val="windowText" lastClr="000000"/>
+      </a:dk1>
+      <a:lt1>
+        <a:sysClr val="window" lastClr="FFFFFF"/>
+      </a:lt1>
+      <a:dk2>
+        <a:srgbClr val="1f497d"/>
+      </a:dk2>
+      <a:lt2>
+        <a:srgbClr val="eeece1"/>
+      </a:lt2>
+      <a:accent1>
+        <a:srgbClr val="4f81bd"/>
+      </a:accent1>
+      <a:accent2>
+        <a:srgbClr val="c0504d"/>
+      </a:accent2>
+      <a:accent3>
+        <a:srgbClr val="9bbb59"/>
+      </a:accent3>
+      <a:accent4>
+        <a:srgbClr val="8064a2"/>
+      </a:accent4>
+      <a:accent5>
+        <a:srgbClr val="4bacc6"/>
+      </a:accent5>
+      <a:accent6>
+        <a:srgbClr val="f79646"/>
+      </a:accent6>
+      <a:hlink>
+        <a:srgbClr val="0000ff"/>
+      </a:hlink>
+      <a:folHlink>
+        <a:srgbClr val="800080"/>
+      </a:folHlink>
+    </a:clrScheme>
+    <a:fontScheme name="Office">
+      <a:majorFont>
+        <a:latin typeface="Arial"/>
+        <a:ea typeface="DejaVu Sans"/>
+        <a:cs typeface="DejaVu Sans"/>
+      </a:majorFont>
+      <a:minorFont>
+        <a:latin typeface="Arial"/>
+        <a:ea typeface="DejaVu Sans"/>
+        <a:cs typeface="DejaVu Sans"/>
+      </a:minorFont>
+    </a:fontScheme>
+    <a:fmtScheme name="Office">
+      <a:fillStyleLst>
+        <a:solidFill>
+          <a:schemeClr val="phClr"/>
+        </a:solidFill>
+        <a:gradFill rotWithShape="1">
+          <a:gsLst>
+            <a:gs pos="0">
+              <a:schemeClr val="phClr">
+                <a:tint val="50000"/>
+                <a:satMod val="300000"/>
+              </a:schemeClr>
+            </a:gs>
+            <a:gs pos="35000">
+              <a:schemeClr val="phClr">
+                <a:tint val="37000"/>
+                <a:satMod val="300000"/>
+              </a:schemeClr>
+            </a:gs>
+            <a:gs pos="100000">
+              <a:schemeClr val="phClr">
+                <a:tint val="15000"/>
+                <a:satMod val="350000"/>
+              </a:schemeClr>
+            </a:gs>
+          </a:gsLst>
+          <a:lin ang="16200000" scaled="1"/>
+        </a:gradFill>
+        <a:gradFill rotWithShape="1">
+          <a:gsLst>
+            <a:gs pos="0">
+              <a:schemeClr val="phClr">
+                <a:shade val="51000"/>
+                <a:satMod val="130000"/>
+              </a:schemeClr>
+            </a:gs>
+            <a:gs pos="80000">
+              <a:schemeClr val="phClr">
+                <a:shade val="93000"/>
+                <a:satMod val="130000"/>
+              </a:schemeClr>
+            </a:gs>
+            <a:gs pos="100000">
+              <a:schemeClr val="phClr">
+                <a:shade val="94000"/>
+                <a:satMod val="135000"/>
+              </a:schemeClr>
+            </a:gs>
+          </a:gsLst>
+          <a:lin ang="16200000" scaled="0"/>
+        </a:gradFill>
+      </a:fillStyleLst>
+      <a:lnStyleLst>
+        <a:ln w="9525" cap="flat" cmpd="sng" algn="ctr">
+          <a:solidFill>
+            <a:schemeClr val="phClr">
+              <a:shade val="95000"/>
+              <a:satMod val="105000"/>
+            </a:schemeClr>
+          </a:solidFill>
+          <a:prstDash val="solid"/>
+        </a:ln>
+        <a:ln w="25400" cap="flat" cmpd="sng" algn="ctr">
+          <a:solidFill>
+            <a:schemeClr val="phClr"/>
+          </a:solidFill>
+          <a:prstDash val="solid"/>
+        </a:ln>
+        <a:ln w="38100" cap="flat" cmpd="sng" algn="ctr">
+          <a:solidFill>
+            <a:schemeClr val="phClr"/>
+          </a:solidFill>
+          <a:prstDash val="solid"/>
+        </a:ln>
+      </a:lnStyleLst>
+      <a:effectStyleLst>
+        <a:effectStyle>
+          <a:effectLst>
+            <a:outerShdw blurRad="40000" dist="20000" dir="5400000" rotWithShape="0">
+              <a:srgbClr val="000000">
+                <a:alpha val="38000"/>
+              </a:srgbClr>
+            </a:outerShdw>
+          </a:effectLst>
+        </a:effectStyle>
+        <a:effectStyle>
+          <a:effectLst>
+            <a:outerShdw blurRad="40000" dist="23000" dir="5400000" rotWithShape="0">
+              <a:srgbClr val="000000">
+                <a:alpha val="35000"/>
+              </a:srgbClr>
+            </a:outerShdw>
+          </a:effectLst>
+        </a:effectStyle>
+        <a:effectStyle>
+          <a:effectLst>
+            <a:outerShdw blurRad="40000" dist="23000" dir="5400000" rotWithShape="0">
+              <a:srgbClr val="000000">
+                <a:alpha val="35000"/>
+              </a:srgbClr>
+            </a:outerShdw>
+          </a:effectLst>
+          <a:scene3d>
+            <a:camera prst="orthographicFront">
+              <a:rot lat="0" lon="0" rev="0"/>
+            </a:camera>
+            <a:lightRig rig="threePt" dir="t">
+              <a:rot lat="0" lon="0" rev="1200000"/>
+            </a:lightRig>
+          </a:scene3d>
+          <a:sp3d>
+            <a:bevelT w="63500" h="25400"/>
+          </a:sp3d>
+        </a:effectStyle>
+      </a:effectStyleLst>
+      <a:bgFillStyleLst>
+        <a:solidFill>
+          <a:schemeClr val="phClr"/>
+        </a:solidFill>
+        <a:gradFill rotWithShape="1">
+          <a:gsLst>
+            <a:gs pos="0">
+              <a:schemeClr val="phClr">
+                <a:tint val="40000"/>
+                <a:satMod val="350000"/>
+              </a:schemeClr>
+            </a:gs>
+            <a:gs pos="40000">
+              <a:schemeClr val="phClr">
+                <a:tint val="45000"/>
+                <a:shade val="99000"/>
+                <a:satMod val="350000"/>
+              </a:schemeClr>
+            </a:gs>
+            <a:gs pos="100000">
+              <a:schemeClr val="phClr">
+                <a:shade val="20000"/>
+                <a:satMod val="255000"/>
+              </a:schemeClr>
+            </a:gs>
+          </a:gsLst>
+          <a:path path="circle">
+            <a:fillToRect l="50000" t="-80000" r="50000" b="180000"/>
+          </a:path>
+        </a:gradFill>
+        <a:gradFill rotWithShape="1">
+          <a:gsLst>
+            <a:gs pos="0">
+              <a:schemeClr val="phClr">
+                <a:tint val="80000"/>
+                <a:satMod val="300000"/>
+              </a:schemeClr>
+            </a:gs>
+            <a:gs pos="100000">
+              <a:schemeClr val="phClr">
+                <a:shade val="30000"/>
+                <a:satMod val="200000"/>
+              </a:schemeClr>
+            </a:gs>
+          </a:gsLst>
+          <a:path path="circle">
+            <a:fillToRect l="50000" t="50000" r="50000" b="50000"/>
+          </a:path>
+        </a:gradFill>
+      </a:bgFillStyleLst>
+    </a:fmtScheme>
+  </a:themeElements>
+</a:theme>
 </file>